--- a/Mastering_Python’s_openpyxl.pptx
+++ b/Mastering_Python’s_openpyxl.pptx
@@ -244,7 +244,7 @@
           <a:p>
             <a:fld id="{FF8B987B-6643-43AA-9B56-509B80CCD0F3}" type="datetimeFigureOut">
               <a:rPr lang="en-US" smtClean="0"/>
-              <a:t>12/27/2025</a:t>
+              <a:t>12/29/2025</a:t>
             </a:fld>
             <a:endParaRPr lang="en-US" dirty="0"/>
           </a:p>
@@ -10009,6 +10009,65 @@
                 <a:cs typeface="72 Black" panose="020B0A04030603020204" pitchFamily="34" charset="0"/>
               </a:rPr>
               <a:t>2.4 Deleting Worksheets</a:t>
+            </a:r>
+          </a:p>
+        </p:txBody>
+      </p:sp>
+      <p:sp>
+        <p:nvSpPr>
+          <p:cNvPr id="4" name="TextBox 3">
+            <a:extLst>
+              <a:ext uri="{FF2B5EF4-FFF2-40B4-BE49-F238E27FC236}">
+                <a16:creationId xmlns:a16="http://schemas.microsoft.com/office/drawing/2014/main" id="{7D41429F-D97E-6EAA-A2EE-AC2B23368B4F}"/>
+              </a:ext>
+            </a:extLst>
+          </p:cNvPr>
+          <p:cNvSpPr txBox="1"/>
+          <p:nvPr/>
+        </p:nvSpPr>
+        <p:spPr>
+          <a:xfrm>
+            <a:off x="6014819" y="3876966"/>
+            <a:ext cx="5415177" cy="784830"/>
+          </a:xfrm>
+          <a:prstGeom prst="rect">
+            <a:avLst/>
+          </a:prstGeom>
+        </p:spPr>
+        <p:style>
+          <a:lnRef idx="0">
+            <a:schemeClr val="accent3"/>
+          </a:lnRef>
+          <a:fillRef idx="3">
+            <a:schemeClr val="accent3"/>
+          </a:fillRef>
+          <a:effectRef idx="3">
+            <a:schemeClr val="accent3"/>
+          </a:effectRef>
+          <a:fontRef idx="minor">
+            <a:schemeClr val="lt1"/>
+          </a:fontRef>
+        </p:style>
+        <p:txBody>
+          <a:bodyPr wrap="square">
+            <a:spAutoFit/>
+          </a:bodyPr>
+          <a:lstStyle/>
+          <a:p>
+            <a:pPr>
+              <a:lnSpc>
+                <a:spcPct val="150000"/>
+              </a:lnSpc>
+            </a:pPr>
+            <a:r>
+              <a:rPr lang="en-US" dirty="0"/>
+              <a:t>New Repository:</a:t>
+            </a:r>
+          </a:p>
+          <a:p>
+            <a:r>
+              <a:rPr lang="en-US" dirty="0"/>
+              <a:t>https://github.com/yasenstar/learn_openpyxl</a:t>
             </a:r>
           </a:p>
         </p:txBody>
@@ -10790,35 +10849,6 @@
 </file>
 
 <file path=customXml/item1.xml><?xml version="1.0" encoding="utf-8"?>
-<p:properties xmlns:p="http://schemas.microsoft.com/office/2006/metadata/properties" xmlns:xsi="http://www.w3.org/2001/XMLSchema-instance" xmlns:pc="http://schemas.microsoft.com/office/infopath/2007/PartnerControls">
-  <documentManagement>
-    <_ip_UnifiedCompliancePolicyUIAction xmlns="http://schemas.microsoft.com/sharepoint/v3" xsi:nil="true"/>
-    <Image xmlns="71af3243-3dd4-4a8d-8c0d-dd76da1f02a5">
-      <Url xsi:nil="true"/>
-      <Description xsi:nil="true"/>
-    </Image>
-    <Status xmlns="71af3243-3dd4-4a8d-8c0d-dd76da1f02a5">Not started</Status>
-    <Background xmlns="71af3243-3dd4-4a8d-8c0d-dd76da1f02a5">false</Background>
-    <_ip_UnifiedCompliancePolicyProperties xmlns="http://schemas.microsoft.com/sharepoint/v3" xsi:nil="true"/>
-    <ImageTagsTaxHTField xmlns="71af3243-3dd4-4a8d-8c0d-dd76da1f02a5">
-      <Terms xmlns="http://schemas.microsoft.com/office/infopath/2007/PartnerControls"/>
-    </ImageTagsTaxHTField>
-    <TaxCatchAll xmlns="230e9df3-be65-4c73-a93b-d1236ebd677e" xsi:nil="true"/>
-    <MediaServiceKeyPoints xmlns="71af3243-3dd4-4a8d-8c0d-dd76da1f02a5" xsi:nil="true"/>
-  </documentManagement>
-</p:properties>
-</file>
-
-<file path=customXml/item2.xml><?xml version="1.0" encoding="utf-8"?>
-<?mso-contentType ?>
-<FormTemplates xmlns="http://schemas.microsoft.com/sharepoint/v3/contenttype/forms">
-  <Display>DocumentLibraryForm</Display>
-  <Edit>DocumentLibraryForm</Edit>
-  <New>DocumentLibraryForm</New>
-</FormTemplates>
-</file>
-
-<file path=customXml/item3.xml><?xml version="1.0" encoding="utf-8"?>
 <ct:contentTypeSchema xmlns:ct="http://schemas.microsoft.com/office/2006/metadata/contentType" xmlns:ma="http://schemas.microsoft.com/office/2006/metadata/properties/metaAttributes" ct:_="" ma:_="" ma:contentTypeName="Document" ma:contentTypeID="0x01010079F111ED35F8CC479449609E8A0923A6" ma:contentTypeVersion="28" ma:contentTypeDescription="Create a new document." ma:contentTypeScope="" ma:versionID="60f5a4f2d2b0abadcf532d48ebf9cb71">
   <xsd:schema xmlns:xsd="http://www.w3.org/2001/XMLSchema" xmlns:xs="http://www.w3.org/2001/XMLSchema" xmlns:p="http://schemas.microsoft.com/office/2006/metadata/properties" xmlns:ns1="http://schemas.microsoft.com/sharepoint/v3" xmlns:ns2="71af3243-3dd4-4a8d-8c0d-dd76da1f02a5" xmlns:ns3="16c05727-aa75-4e4a-9b5f-8a80a1165891" xmlns:ns4="230e9df3-be65-4c73-a93b-d1236ebd677e" targetNamespace="http://schemas.microsoft.com/office/2006/metadata/properties" ma:root="true" ma:fieldsID="7dd78129e6a1811f84807ad11c651531" ns1:_="" ns2:_="" ns3:_="" ns4:_="">
     <xsd:import namespace="http://schemas.microsoft.com/sharepoint/v3"/>
@@ -11130,27 +11160,36 @@
 </ct:contentTypeSchema>
 </file>
 
-<file path=customXml/itemProps1.xml><?xml version="1.0" encoding="utf-8"?>
-<ds:datastoreItem xmlns:ds="http://schemas.openxmlformats.org/officeDocument/2006/customXml" ds:itemID="{C0FBC208-84B5-4BA7-8306-5BDC2F8CE14B}">
-  <ds:schemaRefs>
-    <ds:schemaRef ds:uri="http://schemas.microsoft.com/office/2006/metadata/properties"/>
-    <ds:schemaRef ds:uri="http://schemas.microsoft.com/office/infopath/2007/PartnerControls"/>
-    <ds:schemaRef ds:uri="http://schemas.microsoft.com/sharepoint/v3"/>
-    <ds:schemaRef ds:uri="71af3243-3dd4-4a8d-8c0d-dd76da1f02a5"/>
-    <ds:schemaRef ds:uri="230e9df3-be65-4c73-a93b-d1236ebd677e"/>
-  </ds:schemaRefs>
-</ds:datastoreItem>
+<file path=customXml/item2.xml><?xml version="1.0" encoding="utf-8"?>
+<?mso-contentType ?>
+<FormTemplates xmlns="http://schemas.microsoft.com/sharepoint/v3/contenttype/forms">
+  <Display>DocumentLibraryForm</Display>
+  <Edit>DocumentLibraryForm</Edit>
+  <New>DocumentLibraryForm</New>
+</FormTemplates>
 </file>
 
-<file path=customXml/itemProps2.xml><?xml version="1.0" encoding="utf-8"?>
-<ds:datastoreItem xmlns:ds="http://schemas.openxmlformats.org/officeDocument/2006/customXml" ds:itemID="{EF746E38-3E45-40EB-917C-6C82B8DF19AC}">
-  <ds:schemaRefs>
-    <ds:schemaRef ds:uri="http://schemas.microsoft.com/sharepoint/v3/contenttype/forms"/>
-  </ds:schemaRefs>
-</ds:datastoreItem>
+<file path=customXml/item3.xml><?xml version="1.0" encoding="utf-8"?>
+<p:properties xmlns:p="http://schemas.microsoft.com/office/2006/metadata/properties" xmlns:xsi="http://www.w3.org/2001/XMLSchema-instance" xmlns:pc="http://schemas.microsoft.com/office/infopath/2007/PartnerControls">
+  <documentManagement>
+    <_ip_UnifiedCompliancePolicyUIAction xmlns="http://schemas.microsoft.com/sharepoint/v3" xsi:nil="true"/>
+    <Image xmlns="71af3243-3dd4-4a8d-8c0d-dd76da1f02a5">
+      <Url xsi:nil="true"/>
+      <Description xsi:nil="true"/>
+    </Image>
+    <Status xmlns="71af3243-3dd4-4a8d-8c0d-dd76da1f02a5">Not started</Status>
+    <Background xmlns="71af3243-3dd4-4a8d-8c0d-dd76da1f02a5">false</Background>
+    <_ip_UnifiedCompliancePolicyProperties xmlns="http://schemas.microsoft.com/sharepoint/v3" xsi:nil="true"/>
+    <ImageTagsTaxHTField xmlns="71af3243-3dd4-4a8d-8c0d-dd76da1f02a5">
+      <Terms xmlns="http://schemas.microsoft.com/office/infopath/2007/PartnerControls"/>
+    </ImageTagsTaxHTField>
+    <TaxCatchAll xmlns="230e9df3-be65-4c73-a93b-d1236ebd677e" xsi:nil="true"/>
+    <MediaServiceKeyPoints xmlns="71af3243-3dd4-4a8d-8c0d-dd76da1f02a5" xsi:nil="true"/>
+  </documentManagement>
+</p:properties>
 </file>
 
-<file path=customXml/itemProps3.xml><?xml version="1.0" encoding="utf-8"?>
+<file path=customXml/itemProps1.xml><?xml version="1.0" encoding="utf-8"?>
 <ds:datastoreItem xmlns:ds="http://schemas.openxmlformats.org/officeDocument/2006/customXml" ds:itemID="{FF058098-9A21-440B-BD1E-02659AABD2A9}">
   <ds:schemaRefs>
     <ds:schemaRef ds:uri="http://schemas.microsoft.com/office/2006/metadata/contentType"/>
@@ -11171,6 +11210,26 @@
 </ds:datastoreItem>
 </file>
 
+<file path=customXml/itemProps2.xml><?xml version="1.0" encoding="utf-8"?>
+<ds:datastoreItem xmlns:ds="http://schemas.openxmlformats.org/officeDocument/2006/customXml" ds:itemID="{EF746E38-3E45-40EB-917C-6C82B8DF19AC}">
+  <ds:schemaRefs>
+    <ds:schemaRef ds:uri="http://schemas.microsoft.com/sharepoint/v3/contenttype/forms"/>
+  </ds:schemaRefs>
+</ds:datastoreItem>
+</file>
+
+<file path=customXml/itemProps3.xml><?xml version="1.0" encoding="utf-8"?>
+<ds:datastoreItem xmlns:ds="http://schemas.openxmlformats.org/officeDocument/2006/customXml" ds:itemID="{C0FBC208-84B5-4BA7-8306-5BDC2F8CE14B}">
+  <ds:schemaRefs>
+    <ds:schemaRef ds:uri="http://schemas.microsoft.com/office/2006/metadata/properties"/>
+    <ds:schemaRef ds:uri="http://schemas.microsoft.com/office/infopath/2007/PartnerControls"/>
+    <ds:schemaRef ds:uri="http://schemas.microsoft.com/sharepoint/v3"/>
+    <ds:schemaRef ds:uri="71af3243-3dd4-4a8d-8c0d-dd76da1f02a5"/>
+    <ds:schemaRef ds:uri="230e9df3-be65-4c73-a93b-d1236ebd677e"/>
+  </ds:schemaRefs>
+</ds:datastoreItem>
+</file>
+
 <file path=docMetadata/LabelInfo.xml><?xml version="1.0" encoding="utf-8"?>
 <clbl:labelList xmlns:clbl="http://schemas.microsoft.com/office/2020/mipLabelMetadata">
   <clbl:label id="{1a19d03a-48bc-4359-8038-5b5f6d5847c3}" enabled="1" method="Standard" siteId="{72f988bf-86f1-41af-91ab-2d7cd011db47}" removed="0"/>

--- a/Mastering_Python’s_openpyxl.pptx
+++ b/Mastering_Python’s_openpyxl.pptx
@@ -10060,13 +10060,13 @@
               </a:lnSpc>
             </a:pPr>
             <a:r>
-              <a:rPr lang="en-US" dirty="0"/>
+              <a:rPr lang="en-US" b="1" dirty="0"/>
               <a:t>New Repository:</a:t>
             </a:r>
           </a:p>
           <a:p>
             <a:r>
-              <a:rPr lang="en-US" dirty="0"/>
+              <a:rPr lang="en-US" b="1" dirty="0"/>
               <a:t>https://github.com/yasenstar/learn_openpyxl</a:t>
             </a:r>
           </a:p>

--- a/Mastering_Python’s_openpyxl.pptx
+++ b/Mastering_Python’s_openpyxl.pptx
@@ -244,7 +244,7 @@
           <a:p>
             <a:fld id="{FF8B987B-6643-43AA-9B56-509B80CCD0F3}" type="datetimeFigureOut">
               <a:rPr lang="en-US" smtClean="0"/>
-              <a:t>12/29/2025</a:t>
+              <a:t>12/30/2025</a:t>
             </a:fld>
             <a:endParaRPr lang="en-US" dirty="0"/>
           </a:p>
@@ -7105,10 +7105,10 @@
       </p:grpSpPr>
       <p:pic>
         <p:nvPicPr>
-          <p:cNvPr id="3" name="Picture 2">
-            <a:extLst>
-              <a:ext uri="{FF2B5EF4-FFF2-40B4-BE49-F238E27FC236}">
-                <a16:creationId xmlns:a16="http://schemas.microsoft.com/office/drawing/2014/main" id="{D1B06C24-8A10-8527-602B-D85A3F47045E}"/>
+          <p:cNvPr id="4" name="Picture 3">
+            <a:extLst>
+              <a:ext uri="{FF2B5EF4-FFF2-40B4-BE49-F238E27FC236}">
+                <a16:creationId xmlns:a16="http://schemas.microsoft.com/office/drawing/2014/main" id="{92C01FD5-0805-84A2-C6CC-533074FFA4B8}"/>
               </a:ext>
             </a:extLst>
           </p:cNvPr>
@@ -7125,8 +7125,8 @@
         </p:blipFill>
         <p:spPr>
           <a:xfrm>
-            <a:off x="592116" y="537369"/>
-            <a:ext cx="9255755" cy="5649846"/>
+            <a:off x="846103" y="318151"/>
+            <a:ext cx="9296964" cy="5849166"/>
           </a:xfrm>
           <a:prstGeom prst="roundRect">
             <a:avLst>
@@ -7324,6 +7324,9 @@
             <a:off x="3032760" y="5076647"/>
             <a:ext cx="8750300" cy="1781353"/>
           </a:xfrm>
+          <a:ln>
+            <a:noFill/>
+          </a:ln>
         </p:spPr>
         <p:style>
           <a:lnRef idx="1">
@@ -7341,10 +7344,40 @@
         </p:style>
         <p:txBody>
           <a:bodyPr anchor="ctr">
-            <a:normAutofit fontScale="85000" lnSpcReduction="10000"/>
+            <a:normAutofit fontScale="70000" lnSpcReduction="20000"/>
           </a:bodyPr>
           <a:lstStyle/>
           <a:p>
+            <a:pPr>
+              <a:lnSpc>
+                <a:spcPct val="120000"/>
+              </a:lnSpc>
+              <a:spcBef>
+                <a:spcPts val="600"/>
+              </a:spcBef>
+            </a:pPr>
+            <a:r>
+              <a:rPr lang="en-US" sz="4600" b="1" dirty="0">
+                <a:solidFill>
+                  <a:schemeClr val="accent4">
+                    <a:lumMod val="75000"/>
+                  </a:schemeClr>
+                </a:solidFill>
+                <a:latin typeface="72 Black" panose="020B0A04030603020204" pitchFamily="34" charset="0"/>
+                <a:cs typeface="72 Black" panose="020B0A04030603020204" pitchFamily="34" charset="0"/>
+              </a:rPr>
+              <a:t>2. Workbook and Worksheet Objects</a:t>
+            </a:r>
+          </a:p>
+          <a:p>
+            <a:pPr>
+              <a:lnSpc>
+                <a:spcPct val="120000"/>
+              </a:lnSpc>
+              <a:spcBef>
+                <a:spcPts val="600"/>
+              </a:spcBef>
+            </a:pPr>
             <a:r>
               <a:rPr lang="en-US" sz="4400" b="1" dirty="0">
                 <a:solidFill>
@@ -7355,21 +7388,7 @@
                 <a:latin typeface="72 Black" panose="020B0A04030603020204" pitchFamily="34" charset="0"/>
                 <a:cs typeface="72 Black" panose="020B0A04030603020204" pitchFamily="34" charset="0"/>
               </a:rPr>
-              <a:t>2. Workbook and Worksheet Objects</a:t>
-            </a:r>
-          </a:p>
-          <a:p>
-            <a:r>
-              <a:rPr lang="en-US" sz="4400" b="1" dirty="0">
-                <a:solidFill>
-                  <a:schemeClr val="accent4">
-                    <a:lumMod val="75000"/>
-                  </a:schemeClr>
-                </a:solidFill>
-                <a:latin typeface="72 Black" panose="020B0A04030603020204" pitchFamily="34" charset="0"/>
-                <a:cs typeface="72 Black" panose="020B0A04030603020204" pitchFamily="34" charset="0"/>
-              </a:rPr>
-              <a:t>2.6 Working w/ Multiple Workbooks</a:t>
+              <a:t>2.6 Working w/ Multiple Workbooks &amp; 2.7 Workbook Properties</a:t>
             </a:r>
           </a:p>
         </p:txBody>
@@ -7631,6 +7650,9 @@
             <a:off x="3032760" y="5076647"/>
             <a:ext cx="8750300" cy="1781353"/>
           </a:xfrm>
+          <a:ln>
+            <a:noFill/>
+          </a:ln>
         </p:spPr>
         <p:style>
           <a:lnRef idx="1">
@@ -10329,6 +10351,9 @@
             <a:off x="3032760" y="5076647"/>
             <a:ext cx="8750300" cy="1781353"/>
           </a:xfrm>
+          <a:ln>
+            <a:noFill/>
+          </a:ln>
         </p:spPr>
         <p:style>
           <a:lnRef idx="1">
@@ -10849,6 +10874,35 @@
 </file>
 
 <file path=customXml/item1.xml><?xml version="1.0" encoding="utf-8"?>
+<p:properties xmlns:p="http://schemas.microsoft.com/office/2006/metadata/properties" xmlns:xsi="http://www.w3.org/2001/XMLSchema-instance" xmlns:pc="http://schemas.microsoft.com/office/infopath/2007/PartnerControls">
+  <documentManagement>
+    <_ip_UnifiedCompliancePolicyUIAction xmlns="http://schemas.microsoft.com/sharepoint/v3" xsi:nil="true"/>
+    <Image xmlns="71af3243-3dd4-4a8d-8c0d-dd76da1f02a5">
+      <Url xsi:nil="true"/>
+      <Description xsi:nil="true"/>
+    </Image>
+    <Status xmlns="71af3243-3dd4-4a8d-8c0d-dd76da1f02a5">Not started</Status>
+    <Background xmlns="71af3243-3dd4-4a8d-8c0d-dd76da1f02a5">false</Background>
+    <_ip_UnifiedCompliancePolicyProperties xmlns="http://schemas.microsoft.com/sharepoint/v3" xsi:nil="true"/>
+    <ImageTagsTaxHTField xmlns="71af3243-3dd4-4a8d-8c0d-dd76da1f02a5">
+      <Terms xmlns="http://schemas.microsoft.com/office/infopath/2007/PartnerControls"/>
+    </ImageTagsTaxHTField>
+    <TaxCatchAll xmlns="230e9df3-be65-4c73-a93b-d1236ebd677e" xsi:nil="true"/>
+    <MediaServiceKeyPoints xmlns="71af3243-3dd4-4a8d-8c0d-dd76da1f02a5" xsi:nil="true"/>
+  </documentManagement>
+</p:properties>
+</file>
+
+<file path=customXml/item2.xml><?xml version="1.0" encoding="utf-8"?>
+<?mso-contentType ?>
+<FormTemplates xmlns="http://schemas.microsoft.com/sharepoint/v3/contenttype/forms">
+  <Display>DocumentLibraryForm</Display>
+  <Edit>DocumentLibraryForm</Edit>
+  <New>DocumentLibraryForm</New>
+</FormTemplates>
+</file>
+
+<file path=customXml/item3.xml><?xml version="1.0" encoding="utf-8"?>
 <ct:contentTypeSchema xmlns:ct="http://schemas.microsoft.com/office/2006/metadata/contentType" xmlns:ma="http://schemas.microsoft.com/office/2006/metadata/properties/metaAttributes" ct:_="" ma:_="" ma:contentTypeName="Document" ma:contentTypeID="0x01010079F111ED35F8CC479449609E8A0923A6" ma:contentTypeVersion="28" ma:contentTypeDescription="Create a new document." ma:contentTypeScope="" ma:versionID="60f5a4f2d2b0abadcf532d48ebf9cb71">
   <xsd:schema xmlns:xsd="http://www.w3.org/2001/XMLSchema" xmlns:xs="http://www.w3.org/2001/XMLSchema" xmlns:p="http://schemas.microsoft.com/office/2006/metadata/properties" xmlns:ns1="http://schemas.microsoft.com/sharepoint/v3" xmlns:ns2="71af3243-3dd4-4a8d-8c0d-dd76da1f02a5" xmlns:ns3="16c05727-aa75-4e4a-9b5f-8a80a1165891" xmlns:ns4="230e9df3-be65-4c73-a93b-d1236ebd677e" targetNamespace="http://schemas.microsoft.com/office/2006/metadata/properties" ma:root="true" ma:fieldsID="7dd78129e6a1811f84807ad11c651531" ns1:_="" ns2:_="" ns3:_="" ns4:_="">
     <xsd:import namespace="http://schemas.microsoft.com/sharepoint/v3"/>
@@ -11160,36 +11214,27 @@
 </ct:contentTypeSchema>
 </file>
 
-<file path=customXml/item2.xml><?xml version="1.0" encoding="utf-8"?>
-<?mso-contentType ?>
-<FormTemplates xmlns="http://schemas.microsoft.com/sharepoint/v3/contenttype/forms">
-  <Display>DocumentLibraryForm</Display>
-  <Edit>DocumentLibraryForm</Edit>
-  <New>DocumentLibraryForm</New>
-</FormTemplates>
+<file path=customXml/itemProps1.xml><?xml version="1.0" encoding="utf-8"?>
+<ds:datastoreItem xmlns:ds="http://schemas.openxmlformats.org/officeDocument/2006/customXml" ds:itemID="{C0FBC208-84B5-4BA7-8306-5BDC2F8CE14B}">
+  <ds:schemaRefs>
+    <ds:schemaRef ds:uri="http://schemas.microsoft.com/office/2006/metadata/properties"/>
+    <ds:schemaRef ds:uri="http://schemas.microsoft.com/office/infopath/2007/PartnerControls"/>
+    <ds:schemaRef ds:uri="http://schemas.microsoft.com/sharepoint/v3"/>
+    <ds:schemaRef ds:uri="71af3243-3dd4-4a8d-8c0d-dd76da1f02a5"/>
+    <ds:schemaRef ds:uri="230e9df3-be65-4c73-a93b-d1236ebd677e"/>
+  </ds:schemaRefs>
+</ds:datastoreItem>
 </file>
 
-<file path=customXml/item3.xml><?xml version="1.0" encoding="utf-8"?>
-<p:properties xmlns:p="http://schemas.microsoft.com/office/2006/metadata/properties" xmlns:xsi="http://www.w3.org/2001/XMLSchema-instance" xmlns:pc="http://schemas.microsoft.com/office/infopath/2007/PartnerControls">
-  <documentManagement>
-    <_ip_UnifiedCompliancePolicyUIAction xmlns="http://schemas.microsoft.com/sharepoint/v3" xsi:nil="true"/>
-    <Image xmlns="71af3243-3dd4-4a8d-8c0d-dd76da1f02a5">
-      <Url xsi:nil="true"/>
-      <Description xsi:nil="true"/>
-    </Image>
-    <Status xmlns="71af3243-3dd4-4a8d-8c0d-dd76da1f02a5">Not started</Status>
-    <Background xmlns="71af3243-3dd4-4a8d-8c0d-dd76da1f02a5">false</Background>
-    <_ip_UnifiedCompliancePolicyProperties xmlns="http://schemas.microsoft.com/sharepoint/v3" xsi:nil="true"/>
-    <ImageTagsTaxHTField xmlns="71af3243-3dd4-4a8d-8c0d-dd76da1f02a5">
-      <Terms xmlns="http://schemas.microsoft.com/office/infopath/2007/PartnerControls"/>
-    </ImageTagsTaxHTField>
-    <TaxCatchAll xmlns="230e9df3-be65-4c73-a93b-d1236ebd677e" xsi:nil="true"/>
-    <MediaServiceKeyPoints xmlns="71af3243-3dd4-4a8d-8c0d-dd76da1f02a5" xsi:nil="true"/>
-  </documentManagement>
-</p:properties>
+<file path=customXml/itemProps2.xml><?xml version="1.0" encoding="utf-8"?>
+<ds:datastoreItem xmlns:ds="http://schemas.openxmlformats.org/officeDocument/2006/customXml" ds:itemID="{EF746E38-3E45-40EB-917C-6C82B8DF19AC}">
+  <ds:schemaRefs>
+    <ds:schemaRef ds:uri="http://schemas.microsoft.com/sharepoint/v3/contenttype/forms"/>
+  </ds:schemaRefs>
+</ds:datastoreItem>
 </file>
 
-<file path=customXml/itemProps1.xml><?xml version="1.0" encoding="utf-8"?>
+<file path=customXml/itemProps3.xml><?xml version="1.0" encoding="utf-8"?>
 <ds:datastoreItem xmlns:ds="http://schemas.openxmlformats.org/officeDocument/2006/customXml" ds:itemID="{FF058098-9A21-440B-BD1E-02659AABD2A9}">
   <ds:schemaRefs>
     <ds:schemaRef ds:uri="http://schemas.microsoft.com/office/2006/metadata/contentType"/>
@@ -11210,26 +11255,6 @@
 </ds:datastoreItem>
 </file>
 
-<file path=customXml/itemProps2.xml><?xml version="1.0" encoding="utf-8"?>
-<ds:datastoreItem xmlns:ds="http://schemas.openxmlformats.org/officeDocument/2006/customXml" ds:itemID="{EF746E38-3E45-40EB-917C-6C82B8DF19AC}">
-  <ds:schemaRefs>
-    <ds:schemaRef ds:uri="http://schemas.microsoft.com/sharepoint/v3/contenttype/forms"/>
-  </ds:schemaRefs>
-</ds:datastoreItem>
-</file>
-
-<file path=customXml/itemProps3.xml><?xml version="1.0" encoding="utf-8"?>
-<ds:datastoreItem xmlns:ds="http://schemas.openxmlformats.org/officeDocument/2006/customXml" ds:itemID="{C0FBC208-84B5-4BA7-8306-5BDC2F8CE14B}">
-  <ds:schemaRefs>
-    <ds:schemaRef ds:uri="http://schemas.microsoft.com/office/2006/metadata/properties"/>
-    <ds:schemaRef ds:uri="http://schemas.microsoft.com/office/infopath/2007/PartnerControls"/>
-    <ds:schemaRef ds:uri="http://schemas.microsoft.com/sharepoint/v3"/>
-    <ds:schemaRef ds:uri="71af3243-3dd4-4a8d-8c0d-dd76da1f02a5"/>
-    <ds:schemaRef ds:uri="230e9df3-be65-4c73-a93b-d1236ebd677e"/>
-  </ds:schemaRefs>
-</ds:datastoreItem>
-</file>
-
 <file path=docMetadata/LabelInfo.xml><?xml version="1.0" encoding="utf-8"?>
 <clbl:labelList xmlns:clbl="http://schemas.microsoft.com/office/2020/mipLabelMetadata">
   <clbl:label id="{1a19d03a-48bc-4359-8038-5b5f6d5847c3}" enabled="1" method="Standard" siteId="{72f988bf-86f1-41af-91ab-2d7cd011db47}" removed="0"/>

--- a/Mastering_Python’s_openpyxl.pptx
+++ b/Mastering_Python’s_openpyxl.pptx
@@ -5,7 +5,7 @@
     <p:sldMasterId id="2147483671" r:id="rId4"/>
   </p:sldMasterIdLst>
   <p:notesMasterIdLst>
-    <p:notesMasterId r:id="rId17"/>
+    <p:notesMasterId r:id="rId22"/>
   </p:notesMasterIdLst>
   <p:sldIdLst>
     <p:sldId id="320" r:id="rId5"/>
@@ -19,7 +19,12 @@
     <p:sldId id="329" r:id="rId13"/>
     <p:sldId id="330" r:id="rId14"/>
     <p:sldId id="331" r:id="rId15"/>
-    <p:sldId id="321" r:id="rId16"/>
+    <p:sldId id="332" r:id="rId16"/>
+    <p:sldId id="333" r:id="rId17"/>
+    <p:sldId id="334" r:id="rId18"/>
+    <p:sldId id="335" r:id="rId19"/>
+    <p:sldId id="336" r:id="rId20"/>
+    <p:sldId id="321" r:id="rId21"/>
   </p:sldIdLst>
   <p:sldSz cx="12192000" cy="6858000"/>
   <p:notesSz cx="6858000" cy="9144000"/>
@@ -146,6 +151,11 @@
         <p14:section name="ch3_cell_&amp;_cell_values" id="{1F93CB3F-BB5B-4B8E-AE95-046B6B187FC7}">
           <p14:sldIdLst>
             <p14:sldId id="331"/>
+            <p14:sldId id="332"/>
+            <p14:sldId id="333"/>
+            <p14:sldId id="334"/>
+            <p14:sldId id="335"/>
+            <p14:sldId id="336"/>
           </p14:sldIdLst>
         </p14:section>
         <p14:section name="covers" id="{4F2CDF44-8EA2-4CD8-A232-2646FBA1D618}">
@@ -7717,6 +7727,1556 @@
 </file>
 
 <file path=ppt/slides/slide12.xml><?xml version="1.0" encoding="utf-8"?>
+<p:sld xmlns:a="http://schemas.openxmlformats.org/drawingml/2006/main" xmlns:r="http://schemas.openxmlformats.org/officeDocument/2006/relationships" xmlns:p="http://schemas.openxmlformats.org/presentationml/2006/main">
+  <p:cSld>
+    <p:spTree>
+      <p:nvGrpSpPr>
+        <p:cNvPr id="1" name="">
+          <a:extLst>
+            <a:ext uri="{FF2B5EF4-FFF2-40B4-BE49-F238E27FC236}">
+              <a16:creationId xmlns:a16="http://schemas.microsoft.com/office/drawing/2014/main" id="{B934E226-7E46-4785-F85D-09BD970DBFC8}"/>
+            </a:ext>
+          </a:extLst>
+        </p:cNvPr>
+        <p:cNvGrpSpPr/>
+        <p:nvPr/>
+      </p:nvGrpSpPr>
+      <p:grpSpPr>
+        <a:xfrm>
+          <a:off x="0" y="0"/>
+          <a:ext cx="0" cy="0"/>
+          <a:chOff x="0" y="0"/>
+          <a:chExt cx="0" cy="0"/>
+        </a:xfrm>
+      </p:grpSpPr>
+      <p:pic>
+        <p:nvPicPr>
+          <p:cNvPr id="10" name="Picture 9">
+            <a:extLst>
+              <a:ext uri="{FF2B5EF4-FFF2-40B4-BE49-F238E27FC236}">
+                <a16:creationId xmlns:a16="http://schemas.microsoft.com/office/drawing/2014/main" id="{90683E2A-24BE-716A-CC44-104AC0656D42}"/>
+              </a:ext>
+            </a:extLst>
+          </p:cNvPr>
+          <p:cNvPicPr>
+            <a:picLocks noChangeAspect="1"/>
+          </p:cNvPicPr>
+          <p:nvPr/>
+        </p:nvPicPr>
+        <p:blipFill>
+          <a:blip r:embed="rId2"/>
+          <a:stretch>
+            <a:fillRect/>
+          </a:stretch>
+        </p:blipFill>
+        <p:spPr>
+          <a:xfrm>
+            <a:off x="408940" y="345986"/>
+            <a:ext cx="9053443" cy="5772956"/>
+          </a:xfrm>
+          <a:prstGeom prst="roundRect">
+            <a:avLst>
+              <a:gd name="adj" fmla="val 16667"/>
+            </a:avLst>
+          </a:prstGeom>
+          <a:ln>
+            <a:noFill/>
+          </a:ln>
+          <a:effectLst>
+            <a:outerShdw blurRad="152400" dist="12000" dir="900000" sy="98000" kx="110000" ky="200000" algn="tl" rotWithShape="0">
+              <a:srgbClr val="000000">
+                <a:alpha val="30000"/>
+              </a:srgbClr>
+            </a:outerShdw>
+          </a:effectLst>
+          <a:scene3d>
+            <a:camera prst="perspectiveRelaxed">
+              <a:rot lat="19800000" lon="1200000" rev="20820000"/>
+            </a:camera>
+            <a:lightRig rig="threePt" dir="t"/>
+          </a:scene3d>
+          <a:sp3d contourW="6350" prstMaterial="matte">
+            <a:bevelT w="101600" h="101600"/>
+            <a:contourClr>
+              <a:srgbClr val="969696"/>
+            </a:contourClr>
+          </a:sp3d>
+        </p:spPr>
+      </p:pic>
+      <p:sp>
+        <p:nvSpPr>
+          <p:cNvPr id="5" name="Title 4">
+            <a:extLst>
+              <a:ext uri="{FF2B5EF4-FFF2-40B4-BE49-F238E27FC236}">
+                <a16:creationId xmlns:a16="http://schemas.microsoft.com/office/drawing/2014/main" id="{929B67F1-42CE-C4B7-C8CC-ABFE013A93A7}"/>
+              </a:ext>
+            </a:extLst>
+          </p:cNvPr>
+          <p:cNvSpPr>
+            <a:spLocks noGrp="1"/>
+          </p:cNvSpPr>
+          <p:nvPr>
+            <p:ph type="title"/>
+          </p:nvPr>
+        </p:nvSpPr>
+        <p:spPr>
+          <a:xfrm>
+            <a:off x="2174240" y="72887"/>
+            <a:ext cx="9255756" cy="1077003"/>
+          </a:xfrm>
+        </p:spPr>
+        <p:txBody>
+          <a:bodyPr/>
+          <a:lstStyle/>
+          <a:p>
+            <a:pPr algn="ctr"/>
+            <a:r>
+              <a:rPr lang="en-US" dirty="0">
+                <a:solidFill>
+                  <a:schemeClr val="accent4">
+                    <a:lumMod val="75000"/>
+                  </a:schemeClr>
+                </a:solidFill>
+                <a:latin typeface="Aharoni" panose="02010803020104030203" pitchFamily="2" charset="-79"/>
+                <a:cs typeface="Aharoni" panose="02010803020104030203" pitchFamily="2" charset="-79"/>
+              </a:rPr>
+              <a:t>Mastering openpyxl</a:t>
+            </a:r>
+          </a:p>
+        </p:txBody>
+      </p:sp>
+      <p:sp>
+        <p:nvSpPr>
+          <p:cNvPr id="8" name="TextBox 7">
+            <a:extLst>
+              <a:ext uri="{FF2B5EF4-FFF2-40B4-BE49-F238E27FC236}">
+                <a16:creationId xmlns:a16="http://schemas.microsoft.com/office/drawing/2014/main" id="{C3A10AE6-50F9-56D3-D40C-BBABF42DC320}"/>
+              </a:ext>
+            </a:extLst>
+          </p:cNvPr>
+          <p:cNvSpPr txBox="1"/>
+          <p:nvPr/>
+        </p:nvSpPr>
+        <p:spPr>
+          <a:xfrm>
+            <a:off x="0" y="4859"/>
+            <a:ext cx="2336800" cy="1446550"/>
+          </a:xfrm>
+          <a:prstGeom prst="rect">
+            <a:avLst/>
+          </a:prstGeom>
+          <a:effectLst>
+            <a:outerShdw blurRad="76200" dist="12700" dir="2700000" sy="-23000" kx="-800400" algn="bl" rotWithShape="0">
+              <a:prstClr val="black">
+                <a:alpha val="20000"/>
+              </a:prstClr>
+            </a:outerShdw>
+          </a:effectLst>
+        </p:spPr>
+        <p:style>
+          <a:lnRef idx="1">
+            <a:schemeClr val="accent6"/>
+          </a:lnRef>
+          <a:fillRef idx="2">
+            <a:schemeClr val="accent6"/>
+          </a:fillRef>
+          <a:effectRef idx="1">
+            <a:schemeClr val="accent6"/>
+          </a:effectRef>
+          <a:fontRef idx="minor">
+            <a:schemeClr val="dk1"/>
+          </a:fontRef>
+        </p:style>
+        <p:txBody>
+          <a:bodyPr wrap="square" rtlCol="0" anchor="ctr">
+            <a:spAutoFit/>
+          </a:bodyPr>
+          <a:lstStyle/>
+          <a:p>
+            <a:pPr algn="ctr"/>
+            <a:r>
+              <a:rPr lang="en-US" sz="8800" dirty="0">
+                <a:solidFill>
+                  <a:schemeClr val="accent5"/>
+                </a:solidFill>
+                <a:latin typeface="Trade Gothic Next Heavy" panose="020F0502020204030204" pitchFamily="34" charset="0"/>
+              </a:rPr>
+              <a:t>012</a:t>
+            </a:r>
+          </a:p>
+        </p:txBody>
+      </p:sp>
+      <p:pic>
+        <p:nvPicPr>
+          <p:cNvPr id="9" name="Picture 8">
+            <a:extLst>
+              <a:ext uri="{FF2B5EF4-FFF2-40B4-BE49-F238E27FC236}">
+                <a16:creationId xmlns:a16="http://schemas.microsoft.com/office/drawing/2014/main" id="{AD22B2AD-5BD5-CE3F-D494-A8432FD1D6F8}"/>
+              </a:ext>
+            </a:extLst>
+          </p:cNvPr>
+          <p:cNvPicPr>
+            <a:picLocks noChangeAspect="1"/>
+          </p:cNvPicPr>
+          <p:nvPr/>
+        </p:nvPicPr>
+        <p:blipFill>
+          <a:blip r:embed="rId3"/>
+          <a:stretch>
+            <a:fillRect/>
+          </a:stretch>
+        </p:blipFill>
+        <p:spPr>
+          <a:xfrm>
+            <a:off x="172720" y="5574693"/>
+            <a:ext cx="2661920" cy="1088498"/>
+          </a:xfrm>
+          <a:prstGeom prst="roundRect">
+            <a:avLst>
+              <a:gd name="adj" fmla="val 8594"/>
+            </a:avLst>
+          </a:prstGeom>
+          <a:solidFill>
+            <a:srgbClr val="FFFFFF">
+              <a:shade val="85000"/>
+            </a:srgbClr>
+          </a:solidFill>
+          <a:ln>
+            <a:noFill/>
+          </a:ln>
+          <a:effectLst>
+            <a:reflection blurRad="12700" stA="38000" endPos="28000" dist="5000" dir="5400000" sy="-100000" algn="bl" rotWithShape="0"/>
+          </a:effectLst>
+        </p:spPr>
+      </p:pic>
+      <p:sp>
+        <p:nvSpPr>
+          <p:cNvPr id="7" name="Content Placeholder 6">
+            <a:extLst>
+              <a:ext uri="{FF2B5EF4-FFF2-40B4-BE49-F238E27FC236}">
+                <a16:creationId xmlns:a16="http://schemas.microsoft.com/office/drawing/2014/main" id="{44A6EB7F-0505-6926-2973-B8C7D5B15C1D}"/>
+              </a:ext>
+            </a:extLst>
+          </p:cNvPr>
+          <p:cNvSpPr>
+            <a:spLocks noGrp="1"/>
+          </p:cNvSpPr>
+          <p:nvPr>
+            <p:ph sz="quarter" idx="10"/>
+          </p:nvPr>
+        </p:nvSpPr>
+        <p:spPr>
+          <a:xfrm>
+            <a:off x="3032760" y="5076647"/>
+            <a:ext cx="8750300" cy="1781353"/>
+          </a:xfrm>
+          <a:ln>
+            <a:noFill/>
+          </a:ln>
+        </p:spPr>
+        <p:style>
+          <a:lnRef idx="1">
+            <a:schemeClr val="accent3"/>
+          </a:lnRef>
+          <a:fillRef idx="2">
+            <a:schemeClr val="accent3"/>
+          </a:fillRef>
+          <a:effectRef idx="1">
+            <a:schemeClr val="accent3"/>
+          </a:effectRef>
+          <a:fontRef idx="minor">
+            <a:schemeClr val="dk1"/>
+          </a:fontRef>
+        </p:style>
+        <p:txBody>
+          <a:bodyPr anchor="ctr">
+            <a:normAutofit fontScale="85000" lnSpcReduction="20000"/>
+          </a:bodyPr>
+          <a:lstStyle/>
+          <a:p>
+            <a:r>
+              <a:rPr lang="en-US" sz="4400" b="1" dirty="0">
+                <a:solidFill>
+                  <a:schemeClr val="accent4">
+                    <a:lumMod val="75000"/>
+                  </a:schemeClr>
+                </a:solidFill>
+                <a:latin typeface="72 Black" panose="020B0A04030603020204" pitchFamily="34" charset="0"/>
+                <a:cs typeface="72 Black" panose="020B0A04030603020204" pitchFamily="34" charset="0"/>
+              </a:rPr>
+              <a:t>3. Cells and Cells Values</a:t>
+            </a:r>
+          </a:p>
+          <a:p>
+            <a:r>
+              <a:rPr lang="en-US" sz="4400" b="1" dirty="0">
+                <a:solidFill>
+                  <a:schemeClr val="accent4">
+                    <a:lumMod val="75000"/>
+                  </a:schemeClr>
+                </a:solidFill>
+                <a:latin typeface="72 Black" panose="020B0A04030603020204" pitchFamily="34" charset="0"/>
+                <a:cs typeface="72 Black" panose="020B0A04030603020204" pitchFamily="34" charset="0"/>
+              </a:rPr>
+              <a:t>3.2 Setting Cell Values &amp; 3.3 Data Types</a:t>
+            </a:r>
+          </a:p>
+        </p:txBody>
+      </p:sp>
+    </p:spTree>
+    <p:extLst>
+      <p:ext uri="{BB962C8B-B14F-4D97-AF65-F5344CB8AC3E}">
+        <p14:creationId xmlns:p14="http://schemas.microsoft.com/office/powerpoint/2010/main" val="2330025596"/>
+      </p:ext>
+    </p:extLst>
+  </p:cSld>
+  <p:clrMapOvr>
+    <a:masterClrMapping/>
+  </p:clrMapOvr>
+</p:sld>
+</file>
+
+<file path=ppt/slides/slide13.xml><?xml version="1.0" encoding="utf-8"?>
+<p:sld xmlns:a="http://schemas.openxmlformats.org/drawingml/2006/main" xmlns:r="http://schemas.openxmlformats.org/officeDocument/2006/relationships" xmlns:p="http://schemas.openxmlformats.org/presentationml/2006/main">
+  <p:cSld>
+    <p:spTree>
+      <p:nvGrpSpPr>
+        <p:cNvPr id="1" name="">
+          <a:extLst>
+            <a:ext uri="{FF2B5EF4-FFF2-40B4-BE49-F238E27FC236}">
+              <a16:creationId xmlns:a16="http://schemas.microsoft.com/office/drawing/2014/main" id="{E849AAE0-2A43-C928-BF63-CEE6B5D059E3}"/>
+            </a:ext>
+          </a:extLst>
+        </p:cNvPr>
+        <p:cNvGrpSpPr/>
+        <p:nvPr/>
+      </p:nvGrpSpPr>
+      <p:grpSpPr>
+        <a:xfrm>
+          <a:off x="0" y="0"/>
+          <a:ext cx="0" cy="0"/>
+          <a:chOff x="0" y="0"/>
+          <a:chExt cx="0" cy="0"/>
+        </a:xfrm>
+      </p:grpSpPr>
+      <p:pic>
+        <p:nvPicPr>
+          <p:cNvPr id="4" name="Picture 3">
+            <a:extLst>
+              <a:ext uri="{FF2B5EF4-FFF2-40B4-BE49-F238E27FC236}">
+                <a16:creationId xmlns:a16="http://schemas.microsoft.com/office/drawing/2014/main" id="{B2EDA4AF-181A-5E02-2EAB-AE4D23728202}"/>
+              </a:ext>
+            </a:extLst>
+          </p:cNvPr>
+          <p:cNvPicPr>
+            <a:picLocks noChangeAspect="1"/>
+          </p:cNvPicPr>
+          <p:nvPr/>
+        </p:nvPicPr>
+        <p:blipFill>
+          <a:blip r:embed="rId2"/>
+          <a:stretch>
+            <a:fillRect/>
+          </a:stretch>
+        </p:blipFill>
+        <p:spPr>
+          <a:xfrm>
+            <a:off x="408940" y="413893"/>
+            <a:ext cx="9177275" cy="5896798"/>
+          </a:xfrm>
+          <a:prstGeom prst="roundRect">
+            <a:avLst>
+              <a:gd name="adj" fmla="val 16667"/>
+            </a:avLst>
+          </a:prstGeom>
+          <a:ln>
+            <a:noFill/>
+          </a:ln>
+          <a:effectLst>
+            <a:outerShdw blurRad="152400" dist="12000" dir="900000" sy="98000" kx="110000" ky="200000" algn="tl" rotWithShape="0">
+              <a:srgbClr val="000000">
+                <a:alpha val="30000"/>
+              </a:srgbClr>
+            </a:outerShdw>
+          </a:effectLst>
+          <a:scene3d>
+            <a:camera prst="perspectiveRelaxed">
+              <a:rot lat="19800000" lon="1200000" rev="20820000"/>
+            </a:camera>
+            <a:lightRig rig="threePt" dir="t"/>
+          </a:scene3d>
+          <a:sp3d contourW="6350" prstMaterial="matte">
+            <a:bevelT w="101600" h="101600"/>
+            <a:contourClr>
+              <a:srgbClr val="969696"/>
+            </a:contourClr>
+          </a:sp3d>
+        </p:spPr>
+      </p:pic>
+      <p:sp>
+        <p:nvSpPr>
+          <p:cNvPr id="5" name="Title 4">
+            <a:extLst>
+              <a:ext uri="{FF2B5EF4-FFF2-40B4-BE49-F238E27FC236}">
+                <a16:creationId xmlns:a16="http://schemas.microsoft.com/office/drawing/2014/main" id="{0C91960C-D693-FDB7-2EDA-4B2678F7B5FD}"/>
+              </a:ext>
+            </a:extLst>
+          </p:cNvPr>
+          <p:cNvSpPr>
+            <a:spLocks noGrp="1"/>
+          </p:cNvSpPr>
+          <p:nvPr>
+            <p:ph type="title"/>
+          </p:nvPr>
+        </p:nvSpPr>
+        <p:spPr>
+          <a:xfrm>
+            <a:off x="2174240" y="72887"/>
+            <a:ext cx="9255756" cy="1077003"/>
+          </a:xfrm>
+        </p:spPr>
+        <p:txBody>
+          <a:bodyPr/>
+          <a:lstStyle/>
+          <a:p>
+            <a:pPr algn="ctr"/>
+            <a:r>
+              <a:rPr lang="en-US" dirty="0">
+                <a:solidFill>
+                  <a:schemeClr val="accent4">
+                    <a:lumMod val="75000"/>
+                  </a:schemeClr>
+                </a:solidFill>
+                <a:latin typeface="Aharoni" panose="02010803020104030203" pitchFamily="2" charset="-79"/>
+                <a:cs typeface="Aharoni" panose="02010803020104030203" pitchFamily="2" charset="-79"/>
+              </a:rPr>
+              <a:t>Mastering openpyxl</a:t>
+            </a:r>
+          </a:p>
+        </p:txBody>
+      </p:sp>
+      <p:sp>
+        <p:nvSpPr>
+          <p:cNvPr id="8" name="TextBox 7">
+            <a:extLst>
+              <a:ext uri="{FF2B5EF4-FFF2-40B4-BE49-F238E27FC236}">
+                <a16:creationId xmlns:a16="http://schemas.microsoft.com/office/drawing/2014/main" id="{BCA588D2-F9EB-9623-FF77-E6371081A5A4}"/>
+              </a:ext>
+            </a:extLst>
+          </p:cNvPr>
+          <p:cNvSpPr txBox="1"/>
+          <p:nvPr/>
+        </p:nvSpPr>
+        <p:spPr>
+          <a:xfrm>
+            <a:off x="0" y="4859"/>
+            <a:ext cx="2336800" cy="1446550"/>
+          </a:xfrm>
+          <a:prstGeom prst="rect">
+            <a:avLst/>
+          </a:prstGeom>
+          <a:effectLst>
+            <a:outerShdw blurRad="76200" dist="12700" dir="2700000" sy="-23000" kx="-800400" algn="bl" rotWithShape="0">
+              <a:prstClr val="black">
+                <a:alpha val="20000"/>
+              </a:prstClr>
+            </a:outerShdw>
+          </a:effectLst>
+        </p:spPr>
+        <p:style>
+          <a:lnRef idx="1">
+            <a:schemeClr val="accent6"/>
+          </a:lnRef>
+          <a:fillRef idx="2">
+            <a:schemeClr val="accent6"/>
+          </a:fillRef>
+          <a:effectRef idx="1">
+            <a:schemeClr val="accent6"/>
+          </a:effectRef>
+          <a:fontRef idx="minor">
+            <a:schemeClr val="dk1"/>
+          </a:fontRef>
+        </p:style>
+        <p:txBody>
+          <a:bodyPr wrap="square" rtlCol="0" anchor="ctr">
+            <a:spAutoFit/>
+          </a:bodyPr>
+          <a:lstStyle/>
+          <a:p>
+            <a:pPr algn="ctr"/>
+            <a:r>
+              <a:rPr lang="en-US" sz="8800" dirty="0">
+                <a:solidFill>
+                  <a:schemeClr val="accent5"/>
+                </a:solidFill>
+                <a:latin typeface="Trade Gothic Next Heavy" panose="020F0502020204030204" pitchFamily="34" charset="0"/>
+              </a:rPr>
+              <a:t>013</a:t>
+            </a:r>
+          </a:p>
+        </p:txBody>
+      </p:sp>
+      <p:pic>
+        <p:nvPicPr>
+          <p:cNvPr id="9" name="Picture 8">
+            <a:extLst>
+              <a:ext uri="{FF2B5EF4-FFF2-40B4-BE49-F238E27FC236}">
+                <a16:creationId xmlns:a16="http://schemas.microsoft.com/office/drawing/2014/main" id="{7BB6E5A0-E09C-E9C0-1B7D-2C23F358CFF8}"/>
+              </a:ext>
+            </a:extLst>
+          </p:cNvPr>
+          <p:cNvPicPr>
+            <a:picLocks noChangeAspect="1"/>
+          </p:cNvPicPr>
+          <p:nvPr/>
+        </p:nvPicPr>
+        <p:blipFill>
+          <a:blip r:embed="rId3"/>
+          <a:stretch>
+            <a:fillRect/>
+          </a:stretch>
+        </p:blipFill>
+        <p:spPr>
+          <a:xfrm>
+            <a:off x="172720" y="5574693"/>
+            <a:ext cx="2661920" cy="1088498"/>
+          </a:xfrm>
+          <a:prstGeom prst="roundRect">
+            <a:avLst>
+              <a:gd name="adj" fmla="val 8594"/>
+            </a:avLst>
+          </a:prstGeom>
+          <a:solidFill>
+            <a:srgbClr val="FFFFFF">
+              <a:shade val="85000"/>
+            </a:srgbClr>
+          </a:solidFill>
+          <a:ln>
+            <a:noFill/>
+          </a:ln>
+          <a:effectLst>
+            <a:reflection blurRad="12700" stA="38000" endPos="28000" dist="5000" dir="5400000" sy="-100000" algn="bl" rotWithShape="0"/>
+          </a:effectLst>
+        </p:spPr>
+      </p:pic>
+      <p:sp>
+        <p:nvSpPr>
+          <p:cNvPr id="7" name="Content Placeholder 6">
+            <a:extLst>
+              <a:ext uri="{FF2B5EF4-FFF2-40B4-BE49-F238E27FC236}">
+                <a16:creationId xmlns:a16="http://schemas.microsoft.com/office/drawing/2014/main" id="{2CC77823-B51E-CF2D-08F9-B854229DE8CC}"/>
+              </a:ext>
+            </a:extLst>
+          </p:cNvPr>
+          <p:cNvSpPr>
+            <a:spLocks noGrp="1"/>
+          </p:cNvSpPr>
+          <p:nvPr>
+            <p:ph sz="quarter" idx="10"/>
+          </p:nvPr>
+        </p:nvSpPr>
+        <p:spPr>
+          <a:xfrm>
+            <a:off x="3032760" y="5076647"/>
+            <a:ext cx="8750300" cy="1781353"/>
+          </a:xfrm>
+          <a:ln>
+            <a:noFill/>
+          </a:ln>
+        </p:spPr>
+        <p:style>
+          <a:lnRef idx="1">
+            <a:schemeClr val="accent3"/>
+          </a:lnRef>
+          <a:fillRef idx="2">
+            <a:schemeClr val="accent3"/>
+          </a:fillRef>
+          <a:effectRef idx="1">
+            <a:schemeClr val="accent3"/>
+          </a:effectRef>
+          <a:fontRef idx="minor">
+            <a:schemeClr val="dk1"/>
+          </a:fontRef>
+        </p:style>
+        <p:txBody>
+          <a:bodyPr anchor="ctr">
+            <a:normAutofit/>
+          </a:bodyPr>
+          <a:lstStyle/>
+          <a:p>
+            <a:r>
+              <a:rPr lang="en-US" sz="4400" b="1" dirty="0">
+                <a:solidFill>
+                  <a:schemeClr val="accent4">
+                    <a:lumMod val="75000"/>
+                  </a:schemeClr>
+                </a:solidFill>
+                <a:latin typeface="72 Black" panose="020B0A04030603020204" pitchFamily="34" charset="0"/>
+                <a:cs typeface="72 Black" panose="020B0A04030603020204" pitchFamily="34" charset="0"/>
+              </a:rPr>
+              <a:t>3. Cells and Cells Values</a:t>
+            </a:r>
+          </a:p>
+          <a:p>
+            <a:r>
+              <a:rPr lang="en-US" sz="4400" b="1" dirty="0">
+                <a:solidFill>
+                  <a:schemeClr val="accent4">
+                    <a:lumMod val="75000"/>
+                  </a:schemeClr>
+                </a:solidFill>
+                <a:latin typeface="72 Black" panose="020B0A04030603020204" pitchFamily="34" charset="0"/>
+                <a:cs typeface="72 Black" panose="020B0A04030603020204" pitchFamily="34" charset="0"/>
+              </a:rPr>
+              <a:t>3.4 Formulas and Calculations</a:t>
+            </a:r>
+          </a:p>
+        </p:txBody>
+      </p:sp>
+    </p:spTree>
+    <p:extLst>
+      <p:ext uri="{BB962C8B-B14F-4D97-AF65-F5344CB8AC3E}">
+        <p14:creationId xmlns:p14="http://schemas.microsoft.com/office/powerpoint/2010/main" val="4282287979"/>
+      </p:ext>
+    </p:extLst>
+  </p:cSld>
+  <p:clrMapOvr>
+    <a:masterClrMapping/>
+  </p:clrMapOvr>
+</p:sld>
+</file>
+
+<file path=ppt/slides/slide14.xml><?xml version="1.0" encoding="utf-8"?>
+<p:sld xmlns:a="http://schemas.openxmlformats.org/drawingml/2006/main" xmlns:r="http://schemas.openxmlformats.org/officeDocument/2006/relationships" xmlns:p="http://schemas.openxmlformats.org/presentationml/2006/main">
+  <p:cSld>
+    <p:spTree>
+      <p:nvGrpSpPr>
+        <p:cNvPr id="1" name="">
+          <a:extLst>
+            <a:ext uri="{FF2B5EF4-FFF2-40B4-BE49-F238E27FC236}">
+              <a16:creationId xmlns:a16="http://schemas.microsoft.com/office/drawing/2014/main" id="{471C64CE-D672-06DA-801F-038DC0C0E82C}"/>
+            </a:ext>
+          </a:extLst>
+        </p:cNvPr>
+        <p:cNvGrpSpPr/>
+        <p:nvPr/>
+      </p:nvGrpSpPr>
+      <p:grpSpPr>
+        <a:xfrm>
+          <a:off x="0" y="0"/>
+          <a:ext cx="0" cy="0"/>
+          <a:chOff x="0" y="0"/>
+          <a:chExt cx="0" cy="0"/>
+        </a:xfrm>
+      </p:grpSpPr>
+      <p:pic>
+        <p:nvPicPr>
+          <p:cNvPr id="3" name="Picture 2">
+            <a:extLst>
+              <a:ext uri="{FF2B5EF4-FFF2-40B4-BE49-F238E27FC236}">
+                <a16:creationId xmlns:a16="http://schemas.microsoft.com/office/drawing/2014/main" id="{57CC7667-3D5C-107F-7454-E859BFBD1512}"/>
+              </a:ext>
+            </a:extLst>
+          </p:cNvPr>
+          <p:cNvPicPr>
+            <a:picLocks noChangeAspect="1"/>
+          </p:cNvPicPr>
+          <p:nvPr/>
+        </p:nvPicPr>
+        <p:blipFill>
+          <a:blip r:embed="rId2"/>
+          <a:stretch>
+            <a:fillRect/>
+          </a:stretch>
+        </p:blipFill>
+        <p:spPr>
+          <a:xfrm>
+            <a:off x="587441" y="523469"/>
+            <a:ext cx="9301626" cy="5811061"/>
+          </a:xfrm>
+          <a:prstGeom prst="roundRect">
+            <a:avLst>
+              <a:gd name="adj" fmla="val 16667"/>
+            </a:avLst>
+          </a:prstGeom>
+          <a:ln>
+            <a:noFill/>
+          </a:ln>
+          <a:effectLst>
+            <a:outerShdw blurRad="152400" dist="12000" dir="900000" sy="98000" kx="110000" ky="200000" algn="tl" rotWithShape="0">
+              <a:srgbClr val="000000">
+                <a:alpha val="30000"/>
+              </a:srgbClr>
+            </a:outerShdw>
+          </a:effectLst>
+          <a:scene3d>
+            <a:camera prst="perspectiveRelaxed">
+              <a:rot lat="19800000" lon="1200000" rev="20820000"/>
+            </a:camera>
+            <a:lightRig rig="threePt" dir="t"/>
+          </a:scene3d>
+          <a:sp3d contourW="6350" prstMaterial="matte">
+            <a:bevelT w="101600" h="101600"/>
+            <a:contourClr>
+              <a:srgbClr val="969696"/>
+            </a:contourClr>
+          </a:sp3d>
+        </p:spPr>
+      </p:pic>
+      <p:sp>
+        <p:nvSpPr>
+          <p:cNvPr id="5" name="Title 4">
+            <a:extLst>
+              <a:ext uri="{FF2B5EF4-FFF2-40B4-BE49-F238E27FC236}">
+                <a16:creationId xmlns:a16="http://schemas.microsoft.com/office/drawing/2014/main" id="{D58137FA-BE0D-C4EC-C9AF-AAFE03ED70DC}"/>
+              </a:ext>
+            </a:extLst>
+          </p:cNvPr>
+          <p:cNvSpPr>
+            <a:spLocks noGrp="1"/>
+          </p:cNvSpPr>
+          <p:nvPr>
+            <p:ph type="title"/>
+          </p:nvPr>
+        </p:nvSpPr>
+        <p:spPr>
+          <a:xfrm>
+            <a:off x="2174240" y="72887"/>
+            <a:ext cx="9255756" cy="1077003"/>
+          </a:xfrm>
+        </p:spPr>
+        <p:txBody>
+          <a:bodyPr/>
+          <a:lstStyle/>
+          <a:p>
+            <a:pPr algn="ctr"/>
+            <a:r>
+              <a:rPr lang="en-US" dirty="0">
+                <a:solidFill>
+                  <a:schemeClr val="accent4">
+                    <a:lumMod val="75000"/>
+                  </a:schemeClr>
+                </a:solidFill>
+                <a:latin typeface="Aharoni" panose="02010803020104030203" pitchFamily="2" charset="-79"/>
+                <a:cs typeface="Aharoni" panose="02010803020104030203" pitchFamily="2" charset="-79"/>
+              </a:rPr>
+              <a:t>Mastering openpyxl</a:t>
+            </a:r>
+          </a:p>
+        </p:txBody>
+      </p:sp>
+      <p:sp>
+        <p:nvSpPr>
+          <p:cNvPr id="8" name="TextBox 7">
+            <a:extLst>
+              <a:ext uri="{FF2B5EF4-FFF2-40B4-BE49-F238E27FC236}">
+                <a16:creationId xmlns:a16="http://schemas.microsoft.com/office/drawing/2014/main" id="{06F955B4-2168-FA82-3841-9912D55D2D4C}"/>
+              </a:ext>
+            </a:extLst>
+          </p:cNvPr>
+          <p:cNvSpPr txBox="1"/>
+          <p:nvPr/>
+        </p:nvSpPr>
+        <p:spPr>
+          <a:xfrm>
+            <a:off x="0" y="4859"/>
+            <a:ext cx="2336800" cy="1446550"/>
+          </a:xfrm>
+          <a:prstGeom prst="rect">
+            <a:avLst/>
+          </a:prstGeom>
+          <a:effectLst>
+            <a:outerShdw blurRad="76200" dist="12700" dir="2700000" sy="-23000" kx="-800400" algn="bl" rotWithShape="0">
+              <a:prstClr val="black">
+                <a:alpha val="20000"/>
+              </a:prstClr>
+            </a:outerShdw>
+          </a:effectLst>
+        </p:spPr>
+        <p:style>
+          <a:lnRef idx="1">
+            <a:schemeClr val="accent6"/>
+          </a:lnRef>
+          <a:fillRef idx="2">
+            <a:schemeClr val="accent6"/>
+          </a:fillRef>
+          <a:effectRef idx="1">
+            <a:schemeClr val="accent6"/>
+          </a:effectRef>
+          <a:fontRef idx="minor">
+            <a:schemeClr val="dk1"/>
+          </a:fontRef>
+        </p:style>
+        <p:txBody>
+          <a:bodyPr wrap="square" rtlCol="0" anchor="ctr">
+            <a:spAutoFit/>
+          </a:bodyPr>
+          <a:lstStyle/>
+          <a:p>
+            <a:pPr algn="ctr"/>
+            <a:r>
+              <a:rPr lang="en-US" sz="8800" dirty="0">
+                <a:solidFill>
+                  <a:schemeClr val="accent5"/>
+                </a:solidFill>
+                <a:latin typeface="Trade Gothic Next Heavy" panose="020F0502020204030204" pitchFamily="34" charset="0"/>
+              </a:rPr>
+              <a:t>014</a:t>
+            </a:r>
+          </a:p>
+        </p:txBody>
+      </p:sp>
+      <p:pic>
+        <p:nvPicPr>
+          <p:cNvPr id="9" name="Picture 8">
+            <a:extLst>
+              <a:ext uri="{FF2B5EF4-FFF2-40B4-BE49-F238E27FC236}">
+                <a16:creationId xmlns:a16="http://schemas.microsoft.com/office/drawing/2014/main" id="{DF207F8D-D575-10B4-F505-E062DEFEDC63}"/>
+              </a:ext>
+            </a:extLst>
+          </p:cNvPr>
+          <p:cNvPicPr>
+            <a:picLocks noChangeAspect="1"/>
+          </p:cNvPicPr>
+          <p:nvPr/>
+        </p:nvPicPr>
+        <p:blipFill>
+          <a:blip r:embed="rId3"/>
+          <a:stretch>
+            <a:fillRect/>
+          </a:stretch>
+        </p:blipFill>
+        <p:spPr>
+          <a:xfrm>
+            <a:off x="172720" y="5574693"/>
+            <a:ext cx="2661920" cy="1088498"/>
+          </a:xfrm>
+          <a:prstGeom prst="roundRect">
+            <a:avLst>
+              <a:gd name="adj" fmla="val 8594"/>
+            </a:avLst>
+          </a:prstGeom>
+          <a:solidFill>
+            <a:srgbClr val="FFFFFF">
+              <a:shade val="85000"/>
+            </a:srgbClr>
+          </a:solidFill>
+          <a:ln>
+            <a:noFill/>
+          </a:ln>
+          <a:effectLst>
+            <a:reflection blurRad="12700" stA="38000" endPos="28000" dist="5000" dir="5400000" sy="-100000" algn="bl" rotWithShape="0"/>
+          </a:effectLst>
+        </p:spPr>
+      </p:pic>
+      <p:sp>
+        <p:nvSpPr>
+          <p:cNvPr id="7" name="Content Placeholder 6">
+            <a:extLst>
+              <a:ext uri="{FF2B5EF4-FFF2-40B4-BE49-F238E27FC236}">
+                <a16:creationId xmlns:a16="http://schemas.microsoft.com/office/drawing/2014/main" id="{976A6473-A9D0-6A13-D8BD-8C1884AFC933}"/>
+              </a:ext>
+            </a:extLst>
+          </p:cNvPr>
+          <p:cNvSpPr>
+            <a:spLocks noGrp="1"/>
+          </p:cNvSpPr>
+          <p:nvPr>
+            <p:ph sz="quarter" idx="10"/>
+          </p:nvPr>
+        </p:nvSpPr>
+        <p:spPr>
+          <a:xfrm>
+            <a:off x="3032760" y="5076647"/>
+            <a:ext cx="8750300" cy="1781353"/>
+          </a:xfrm>
+          <a:ln>
+            <a:noFill/>
+          </a:ln>
+        </p:spPr>
+        <p:style>
+          <a:lnRef idx="1">
+            <a:schemeClr val="accent3"/>
+          </a:lnRef>
+          <a:fillRef idx="2">
+            <a:schemeClr val="accent3"/>
+          </a:fillRef>
+          <a:effectRef idx="1">
+            <a:schemeClr val="accent3"/>
+          </a:effectRef>
+          <a:fontRef idx="minor">
+            <a:schemeClr val="dk1"/>
+          </a:fontRef>
+        </p:style>
+        <p:txBody>
+          <a:bodyPr anchor="ctr">
+            <a:normAutofit/>
+          </a:bodyPr>
+          <a:lstStyle/>
+          <a:p>
+            <a:r>
+              <a:rPr lang="en-US" sz="4400" b="1" dirty="0">
+                <a:solidFill>
+                  <a:schemeClr val="accent4">
+                    <a:lumMod val="75000"/>
+                  </a:schemeClr>
+                </a:solidFill>
+                <a:latin typeface="72 Black" panose="020B0A04030603020204" pitchFamily="34" charset="0"/>
+                <a:cs typeface="72 Black" panose="020B0A04030603020204" pitchFamily="34" charset="0"/>
+              </a:rPr>
+              <a:t>3. Cells and Cells Values</a:t>
+            </a:r>
+          </a:p>
+          <a:p>
+            <a:r>
+              <a:rPr lang="en-US" sz="4400" b="1" dirty="0">
+                <a:solidFill>
+                  <a:schemeClr val="accent4">
+                    <a:lumMod val="75000"/>
+                  </a:schemeClr>
+                </a:solidFill>
+                <a:latin typeface="72 Black" panose="020B0A04030603020204" pitchFamily="34" charset="0"/>
+                <a:cs typeface="72 Black" panose="020B0A04030603020204" pitchFamily="34" charset="0"/>
+              </a:rPr>
+              <a:t>3.5 Number Formatting</a:t>
+            </a:r>
+          </a:p>
+        </p:txBody>
+      </p:sp>
+    </p:spTree>
+    <p:extLst>
+      <p:ext uri="{BB962C8B-B14F-4D97-AF65-F5344CB8AC3E}">
+        <p14:creationId xmlns:p14="http://schemas.microsoft.com/office/powerpoint/2010/main" val="1352834161"/>
+      </p:ext>
+    </p:extLst>
+  </p:cSld>
+  <p:clrMapOvr>
+    <a:masterClrMapping/>
+  </p:clrMapOvr>
+</p:sld>
+</file>
+
+<file path=ppt/slides/slide15.xml><?xml version="1.0" encoding="utf-8"?>
+<p:sld xmlns:a="http://schemas.openxmlformats.org/drawingml/2006/main" xmlns:r="http://schemas.openxmlformats.org/officeDocument/2006/relationships" xmlns:p="http://schemas.openxmlformats.org/presentationml/2006/main">
+  <p:cSld>
+    <p:spTree>
+      <p:nvGrpSpPr>
+        <p:cNvPr id="1" name="">
+          <a:extLst>
+            <a:ext uri="{FF2B5EF4-FFF2-40B4-BE49-F238E27FC236}">
+              <a16:creationId xmlns:a16="http://schemas.microsoft.com/office/drawing/2014/main" id="{FBA00529-AE0F-BE5E-DAC5-9CB3C7676A1A}"/>
+            </a:ext>
+          </a:extLst>
+        </p:cNvPr>
+        <p:cNvGrpSpPr/>
+        <p:nvPr/>
+      </p:nvGrpSpPr>
+      <p:grpSpPr>
+        <a:xfrm>
+          <a:off x="0" y="0"/>
+          <a:ext cx="0" cy="0"/>
+          <a:chOff x="0" y="0"/>
+          <a:chExt cx="0" cy="0"/>
+        </a:xfrm>
+      </p:grpSpPr>
+      <p:pic>
+        <p:nvPicPr>
+          <p:cNvPr id="4" name="Picture 3">
+            <a:extLst>
+              <a:ext uri="{FF2B5EF4-FFF2-40B4-BE49-F238E27FC236}">
+                <a16:creationId xmlns:a16="http://schemas.microsoft.com/office/drawing/2014/main" id="{16E883A6-282D-E686-C656-BB5A572BD5A9}"/>
+              </a:ext>
+            </a:extLst>
+          </p:cNvPr>
+          <p:cNvPicPr>
+            <a:picLocks noChangeAspect="1"/>
+          </p:cNvPicPr>
+          <p:nvPr/>
+        </p:nvPicPr>
+        <p:blipFill>
+          <a:blip r:embed="rId2"/>
+          <a:stretch>
+            <a:fillRect/>
+          </a:stretch>
+        </p:blipFill>
+        <p:spPr>
+          <a:xfrm>
+            <a:off x="381002" y="480678"/>
+            <a:ext cx="9255756" cy="5868219"/>
+          </a:xfrm>
+          <a:prstGeom prst="roundRect">
+            <a:avLst>
+              <a:gd name="adj" fmla="val 16667"/>
+            </a:avLst>
+          </a:prstGeom>
+          <a:ln>
+            <a:noFill/>
+          </a:ln>
+          <a:effectLst>
+            <a:outerShdw blurRad="152400" dist="12000" dir="900000" sy="98000" kx="110000" ky="200000" algn="tl" rotWithShape="0">
+              <a:srgbClr val="000000">
+                <a:alpha val="30000"/>
+              </a:srgbClr>
+            </a:outerShdw>
+          </a:effectLst>
+          <a:scene3d>
+            <a:camera prst="perspectiveRelaxed">
+              <a:rot lat="19800000" lon="1200000" rev="20820000"/>
+            </a:camera>
+            <a:lightRig rig="threePt" dir="t"/>
+          </a:scene3d>
+          <a:sp3d contourW="6350" prstMaterial="matte">
+            <a:bevelT w="101600" h="101600"/>
+            <a:contourClr>
+              <a:srgbClr val="969696"/>
+            </a:contourClr>
+          </a:sp3d>
+        </p:spPr>
+      </p:pic>
+      <p:sp>
+        <p:nvSpPr>
+          <p:cNvPr id="5" name="Title 4">
+            <a:extLst>
+              <a:ext uri="{FF2B5EF4-FFF2-40B4-BE49-F238E27FC236}">
+                <a16:creationId xmlns:a16="http://schemas.microsoft.com/office/drawing/2014/main" id="{C39F4055-7EDE-AD41-A8C0-1287945E82DB}"/>
+              </a:ext>
+            </a:extLst>
+          </p:cNvPr>
+          <p:cNvSpPr>
+            <a:spLocks noGrp="1"/>
+          </p:cNvSpPr>
+          <p:nvPr>
+            <p:ph type="title"/>
+          </p:nvPr>
+        </p:nvSpPr>
+        <p:spPr>
+          <a:xfrm>
+            <a:off x="2174240" y="72887"/>
+            <a:ext cx="9255756" cy="1077003"/>
+          </a:xfrm>
+        </p:spPr>
+        <p:txBody>
+          <a:bodyPr/>
+          <a:lstStyle/>
+          <a:p>
+            <a:pPr algn="ctr"/>
+            <a:r>
+              <a:rPr lang="en-US" dirty="0">
+                <a:solidFill>
+                  <a:schemeClr val="accent4">
+                    <a:lumMod val="75000"/>
+                  </a:schemeClr>
+                </a:solidFill>
+                <a:latin typeface="Aharoni" panose="02010803020104030203" pitchFamily="2" charset="-79"/>
+                <a:cs typeface="Aharoni" panose="02010803020104030203" pitchFamily="2" charset="-79"/>
+              </a:rPr>
+              <a:t>Mastering openpyxl</a:t>
+            </a:r>
+          </a:p>
+        </p:txBody>
+      </p:sp>
+      <p:sp>
+        <p:nvSpPr>
+          <p:cNvPr id="8" name="TextBox 7">
+            <a:extLst>
+              <a:ext uri="{FF2B5EF4-FFF2-40B4-BE49-F238E27FC236}">
+                <a16:creationId xmlns:a16="http://schemas.microsoft.com/office/drawing/2014/main" id="{4EECC5F0-BEFF-691F-8BAC-1C63FDCAA138}"/>
+              </a:ext>
+            </a:extLst>
+          </p:cNvPr>
+          <p:cNvSpPr txBox="1"/>
+          <p:nvPr/>
+        </p:nvSpPr>
+        <p:spPr>
+          <a:xfrm>
+            <a:off x="0" y="4859"/>
+            <a:ext cx="2336800" cy="1446550"/>
+          </a:xfrm>
+          <a:prstGeom prst="rect">
+            <a:avLst/>
+          </a:prstGeom>
+          <a:effectLst>
+            <a:outerShdw blurRad="76200" dist="12700" dir="2700000" sy="-23000" kx="-800400" algn="bl" rotWithShape="0">
+              <a:prstClr val="black">
+                <a:alpha val="20000"/>
+              </a:prstClr>
+            </a:outerShdw>
+          </a:effectLst>
+        </p:spPr>
+        <p:style>
+          <a:lnRef idx="1">
+            <a:schemeClr val="accent6"/>
+          </a:lnRef>
+          <a:fillRef idx="2">
+            <a:schemeClr val="accent6"/>
+          </a:fillRef>
+          <a:effectRef idx="1">
+            <a:schemeClr val="accent6"/>
+          </a:effectRef>
+          <a:fontRef idx="minor">
+            <a:schemeClr val="dk1"/>
+          </a:fontRef>
+        </p:style>
+        <p:txBody>
+          <a:bodyPr wrap="square" rtlCol="0" anchor="ctr">
+            <a:spAutoFit/>
+          </a:bodyPr>
+          <a:lstStyle/>
+          <a:p>
+            <a:pPr algn="ctr"/>
+            <a:r>
+              <a:rPr lang="en-US" sz="8800" dirty="0">
+                <a:solidFill>
+                  <a:schemeClr val="accent5"/>
+                </a:solidFill>
+                <a:latin typeface="Trade Gothic Next Heavy" panose="020F0502020204030204" pitchFamily="34" charset="0"/>
+              </a:rPr>
+              <a:t>015</a:t>
+            </a:r>
+          </a:p>
+        </p:txBody>
+      </p:sp>
+      <p:pic>
+        <p:nvPicPr>
+          <p:cNvPr id="9" name="Picture 8">
+            <a:extLst>
+              <a:ext uri="{FF2B5EF4-FFF2-40B4-BE49-F238E27FC236}">
+                <a16:creationId xmlns:a16="http://schemas.microsoft.com/office/drawing/2014/main" id="{257163AA-071A-3208-189E-8DDCF81501EE}"/>
+              </a:ext>
+            </a:extLst>
+          </p:cNvPr>
+          <p:cNvPicPr>
+            <a:picLocks noChangeAspect="1"/>
+          </p:cNvPicPr>
+          <p:nvPr/>
+        </p:nvPicPr>
+        <p:blipFill>
+          <a:blip r:embed="rId3"/>
+          <a:stretch>
+            <a:fillRect/>
+          </a:stretch>
+        </p:blipFill>
+        <p:spPr>
+          <a:xfrm>
+            <a:off x="172720" y="5574693"/>
+            <a:ext cx="2661920" cy="1088498"/>
+          </a:xfrm>
+          <a:prstGeom prst="roundRect">
+            <a:avLst>
+              <a:gd name="adj" fmla="val 8594"/>
+            </a:avLst>
+          </a:prstGeom>
+          <a:solidFill>
+            <a:srgbClr val="FFFFFF">
+              <a:shade val="85000"/>
+            </a:srgbClr>
+          </a:solidFill>
+          <a:ln>
+            <a:noFill/>
+          </a:ln>
+          <a:effectLst>
+            <a:reflection blurRad="12700" stA="38000" endPos="28000" dist="5000" dir="5400000" sy="-100000" algn="bl" rotWithShape="0"/>
+          </a:effectLst>
+        </p:spPr>
+      </p:pic>
+      <p:sp>
+        <p:nvSpPr>
+          <p:cNvPr id="7" name="Content Placeholder 6">
+            <a:extLst>
+              <a:ext uri="{FF2B5EF4-FFF2-40B4-BE49-F238E27FC236}">
+                <a16:creationId xmlns:a16="http://schemas.microsoft.com/office/drawing/2014/main" id="{928FB6D5-0C2E-9CCC-9159-0FAC97FC8612}"/>
+              </a:ext>
+            </a:extLst>
+          </p:cNvPr>
+          <p:cNvSpPr>
+            <a:spLocks noGrp="1"/>
+          </p:cNvSpPr>
+          <p:nvPr>
+            <p:ph sz="quarter" idx="10"/>
+          </p:nvPr>
+        </p:nvSpPr>
+        <p:spPr>
+          <a:xfrm>
+            <a:off x="3032760" y="5076647"/>
+            <a:ext cx="8750300" cy="1781353"/>
+          </a:xfrm>
+          <a:ln>
+            <a:noFill/>
+          </a:ln>
+        </p:spPr>
+        <p:style>
+          <a:lnRef idx="1">
+            <a:schemeClr val="accent3"/>
+          </a:lnRef>
+          <a:fillRef idx="2">
+            <a:schemeClr val="accent3"/>
+          </a:fillRef>
+          <a:effectRef idx="1">
+            <a:schemeClr val="accent3"/>
+          </a:effectRef>
+          <a:fontRef idx="minor">
+            <a:schemeClr val="dk1"/>
+          </a:fontRef>
+        </p:style>
+        <p:txBody>
+          <a:bodyPr anchor="ctr">
+            <a:normAutofit/>
+          </a:bodyPr>
+          <a:lstStyle/>
+          <a:p>
+            <a:r>
+              <a:rPr lang="en-US" sz="4400" b="1" dirty="0">
+                <a:solidFill>
+                  <a:schemeClr val="accent4">
+                    <a:lumMod val="75000"/>
+                  </a:schemeClr>
+                </a:solidFill>
+                <a:latin typeface="72 Black" panose="020B0A04030603020204" pitchFamily="34" charset="0"/>
+                <a:cs typeface="72 Black" panose="020B0A04030603020204" pitchFamily="34" charset="0"/>
+              </a:rPr>
+              <a:t>3. Cells and Cells Values</a:t>
+            </a:r>
+          </a:p>
+          <a:p>
+            <a:r>
+              <a:rPr lang="en-US" sz="4400" b="1" dirty="0">
+                <a:solidFill>
+                  <a:schemeClr val="accent4">
+                    <a:lumMod val="75000"/>
+                  </a:schemeClr>
+                </a:solidFill>
+                <a:latin typeface="72 Black" panose="020B0A04030603020204" pitchFamily="34" charset="0"/>
+                <a:cs typeface="72 Black" panose="020B0A04030603020204" pitchFamily="34" charset="0"/>
+              </a:rPr>
+              <a:t>3.6 Dates and Times</a:t>
+            </a:r>
+          </a:p>
+        </p:txBody>
+      </p:sp>
+    </p:spTree>
+    <p:extLst>
+      <p:ext uri="{BB962C8B-B14F-4D97-AF65-F5344CB8AC3E}">
+        <p14:creationId xmlns:p14="http://schemas.microsoft.com/office/powerpoint/2010/main" val="1859524948"/>
+      </p:ext>
+    </p:extLst>
+  </p:cSld>
+  <p:clrMapOvr>
+    <a:masterClrMapping/>
+  </p:clrMapOvr>
+</p:sld>
+</file>
+
+<file path=ppt/slides/slide16.xml><?xml version="1.0" encoding="utf-8"?>
+<p:sld xmlns:a="http://schemas.openxmlformats.org/drawingml/2006/main" xmlns:r="http://schemas.openxmlformats.org/officeDocument/2006/relationships" xmlns:p="http://schemas.openxmlformats.org/presentationml/2006/main">
+  <p:cSld>
+    <p:spTree>
+      <p:nvGrpSpPr>
+        <p:cNvPr id="1" name="">
+          <a:extLst>
+            <a:ext uri="{FF2B5EF4-FFF2-40B4-BE49-F238E27FC236}">
+              <a16:creationId xmlns:a16="http://schemas.microsoft.com/office/drawing/2014/main" id="{B34D2D22-6D4A-B684-FFD9-6BD2849D4A12}"/>
+            </a:ext>
+          </a:extLst>
+        </p:cNvPr>
+        <p:cNvGrpSpPr/>
+        <p:nvPr/>
+      </p:nvGrpSpPr>
+      <p:grpSpPr>
+        <a:xfrm>
+          <a:off x="0" y="0"/>
+          <a:ext cx="0" cy="0"/>
+          <a:chOff x="0" y="0"/>
+          <a:chExt cx="0" cy="0"/>
+        </a:xfrm>
+      </p:grpSpPr>
+      <p:pic>
+        <p:nvPicPr>
+          <p:cNvPr id="3" name="Picture 2">
+            <a:extLst>
+              <a:ext uri="{FF2B5EF4-FFF2-40B4-BE49-F238E27FC236}">
+                <a16:creationId xmlns:a16="http://schemas.microsoft.com/office/drawing/2014/main" id="{874C0167-5B91-1D7A-83E8-13CBD90BD9C0}"/>
+              </a:ext>
+            </a:extLst>
+          </p:cNvPr>
+          <p:cNvPicPr>
+            <a:picLocks noChangeAspect="1"/>
+          </p:cNvPicPr>
+          <p:nvPr/>
+        </p:nvPicPr>
+        <p:blipFill>
+          <a:blip r:embed="rId2"/>
+          <a:stretch>
+            <a:fillRect/>
+          </a:stretch>
+        </p:blipFill>
+        <p:spPr>
+          <a:xfrm>
+            <a:off x="642479" y="456761"/>
+            <a:ext cx="8831721" cy="5811061"/>
+          </a:xfrm>
+          <a:prstGeom prst="roundRect">
+            <a:avLst>
+              <a:gd name="adj" fmla="val 16667"/>
+            </a:avLst>
+          </a:prstGeom>
+          <a:ln>
+            <a:noFill/>
+          </a:ln>
+          <a:effectLst>
+            <a:outerShdw blurRad="152400" dist="12000" dir="900000" sy="98000" kx="110000" ky="200000" algn="tl" rotWithShape="0">
+              <a:srgbClr val="000000">
+                <a:alpha val="30000"/>
+              </a:srgbClr>
+            </a:outerShdw>
+          </a:effectLst>
+          <a:scene3d>
+            <a:camera prst="perspectiveRelaxed">
+              <a:rot lat="19800000" lon="1200000" rev="20820000"/>
+            </a:camera>
+            <a:lightRig rig="threePt" dir="t"/>
+          </a:scene3d>
+          <a:sp3d contourW="6350" prstMaterial="matte">
+            <a:bevelT w="101600" h="101600"/>
+            <a:contourClr>
+              <a:srgbClr val="969696"/>
+            </a:contourClr>
+          </a:sp3d>
+        </p:spPr>
+      </p:pic>
+      <p:sp>
+        <p:nvSpPr>
+          <p:cNvPr id="5" name="Title 4">
+            <a:extLst>
+              <a:ext uri="{FF2B5EF4-FFF2-40B4-BE49-F238E27FC236}">
+                <a16:creationId xmlns:a16="http://schemas.microsoft.com/office/drawing/2014/main" id="{AAF4E118-ADEF-2835-B8B7-2DB3B434187C}"/>
+              </a:ext>
+            </a:extLst>
+          </p:cNvPr>
+          <p:cNvSpPr>
+            <a:spLocks noGrp="1"/>
+          </p:cNvSpPr>
+          <p:nvPr>
+            <p:ph type="title"/>
+          </p:nvPr>
+        </p:nvSpPr>
+        <p:spPr>
+          <a:xfrm>
+            <a:off x="2174240" y="72887"/>
+            <a:ext cx="9255756" cy="1077003"/>
+          </a:xfrm>
+        </p:spPr>
+        <p:txBody>
+          <a:bodyPr/>
+          <a:lstStyle/>
+          <a:p>
+            <a:pPr algn="ctr"/>
+            <a:r>
+              <a:rPr lang="en-US" dirty="0">
+                <a:solidFill>
+                  <a:schemeClr val="accent4">
+                    <a:lumMod val="75000"/>
+                  </a:schemeClr>
+                </a:solidFill>
+                <a:latin typeface="Aharoni" panose="02010803020104030203" pitchFamily="2" charset="-79"/>
+                <a:cs typeface="Aharoni" panose="02010803020104030203" pitchFamily="2" charset="-79"/>
+              </a:rPr>
+              <a:t>Mastering openpyxl</a:t>
+            </a:r>
+          </a:p>
+        </p:txBody>
+      </p:sp>
+      <p:sp>
+        <p:nvSpPr>
+          <p:cNvPr id="8" name="TextBox 7">
+            <a:extLst>
+              <a:ext uri="{FF2B5EF4-FFF2-40B4-BE49-F238E27FC236}">
+                <a16:creationId xmlns:a16="http://schemas.microsoft.com/office/drawing/2014/main" id="{240C36E6-E84A-0B02-71D2-E63B0A65BD3A}"/>
+              </a:ext>
+            </a:extLst>
+          </p:cNvPr>
+          <p:cNvSpPr txBox="1"/>
+          <p:nvPr/>
+        </p:nvSpPr>
+        <p:spPr>
+          <a:xfrm>
+            <a:off x="0" y="4859"/>
+            <a:ext cx="2336800" cy="1446550"/>
+          </a:xfrm>
+          <a:prstGeom prst="rect">
+            <a:avLst/>
+          </a:prstGeom>
+          <a:effectLst>
+            <a:outerShdw blurRad="76200" dist="12700" dir="2700000" sy="-23000" kx="-800400" algn="bl" rotWithShape="0">
+              <a:prstClr val="black">
+                <a:alpha val="20000"/>
+              </a:prstClr>
+            </a:outerShdw>
+          </a:effectLst>
+        </p:spPr>
+        <p:style>
+          <a:lnRef idx="1">
+            <a:schemeClr val="accent6"/>
+          </a:lnRef>
+          <a:fillRef idx="2">
+            <a:schemeClr val="accent6"/>
+          </a:fillRef>
+          <a:effectRef idx="1">
+            <a:schemeClr val="accent6"/>
+          </a:effectRef>
+          <a:fontRef idx="minor">
+            <a:schemeClr val="dk1"/>
+          </a:fontRef>
+        </p:style>
+        <p:txBody>
+          <a:bodyPr wrap="square" rtlCol="0" anchor="ctr">
+            <a:spAutoFit/>
+          </a:bodyPr>
+          <a:lstStyle/>
+          <a:p>
+            <a:pPr algn="ctr"/>
+            <a:r>
+              <a:rPr lang="en-US" sz="8800" dirty="0">
+                <a:solidFill>
+                  <a:schemeClr val="accent5"/>
+                </a:solidFill>
+                <a:latin typeface="Trade Gothic Next Heavy" panose="020F0502020204030204" pitchFamily="34" charset="0"/>
+              </a:rPr>
+              <a:t>016</a:t>
+            </a:r>
+          </a:p>
+        </p:txBody>
+      </p:sp>
+      <p:pic>
+        <p:nvPicPr>
+          <p:cNvPr id="9" name="Picture 8">
+            <a:extLst>
+              <a:ext uri="{FF2B5EF4-FFF2-40B4-BE49-F238E27FC236}">
+                <a16:creationId xmlns:a16="http://schemas.microsoft.com/office/drawing/2014/main" id="{E60A533D-24B3-ADAD-2988-831A472668BF}"/>
+              </a:ext>
+            </a:extLst>
+          </p:cNvPr>
+          <p:cNvPicPr>
+            <a:picLocks noChangeAspect="1"/>
+          </p:cNvPicPr>
+          <p:nvPr/>
+        </p:nvPicPr>
+        <p:blipFill>
+          <a:blip r:embed="rId3"/>
+          <a:stretch>
+            <a:fillRect/>
+          </a:stretch>
+        </p:blipFill>
+        <p:spPr>
+          <a:xfrm>
+            <a:off x="172720" y="5574693"/>
+            <a:ext cx="2661920" cy="1088498"/>
+          </a:xfrm>
+          <a:prstGeom prst="roundRect">
+            <a:avLst>
+              <a:gd name="adj" fmla="val 8594"/>
+            </a:avLst>
+          </a:prstGeom>
+          <a:solidFill>
+            <a:srgbClr val="FFFFFF">
+              <a:shade val="85000"/>
+            </a:srgbClr>
+          </a:solidFill>
+          <a:ln>
+            <a:noFill/>
+          </a:ln>
+          <a:effectLst>
+            <a:reflection blurRad="12700" stA="38000" endPos="28000" dist="5000" dir="5400000" sy="-100000" algn="bl" rotWithShape="0"/>
+          </a:effectLst>
+        </p:spPr>
+      </p:pic>
+      <p:sp>
+        <p:nvSpPr>
+          <p:cNvPr id="7" name="Content Placeholder 6">
+            <a:extLst>
+              <a:ext uri="{FF2B5EF4-FFF2-40B4-BE49-F238E27FC236}">
+                <a16:creationId xmlns:a16="http://schemas.microsoft.com/office/drawing/2014/main" id="{1DF940DF-2353-7EF2-40C2-F28157227C8E}"/>
+              </a:ext>
+            </a:extLst>
+          </p:cNvPr>
+          <p:cNvSpPr>
+            <a:spLocks noGrp="1"/>
+          </p:cNvSpPr>
+          <p:nvPr>
+            <p:ph sz="quarter" idx="10"/>
+          </p:nvPr>
+        </p:nvSpPr>
+        <p:spPr>
+          <a:xfrm>
+            <a:off x="3032760" y="5076647"/>
+            <a:ext cx="8750300" cy="1781353"/>
+          </a:xfrm>
+          <a:ln>
+            <a:noFill/>
+          </a:ln>
+        </p:spPr>
+        <p:style>
+          <a:lnRef idx="1">
+            <a:schemeClr val="accent3"/>
+          </a:lnRef>
+          <a:fillRef idx="2">
+            <a:schemeClr val="accent3"/>
+          </a:fillRef>
+          <a:effectRef idx="1">
+            <a:schemeClr val="accent3"/>
+          </a:effectRef>
+          <a:fontRef idx="minor">
+            <a:schemeClr val="dk1"/>
+          </a:fontRef>
+        </p:style>
+        <p:txBody>
+          <a:bodyPr anchor="ctr">
+            <a:normAutofit/>
+          </a:bodyPr>
+          <a:lstStyle/>
+          <a:p>
+            <a:r>
+              <a:rPr lang="en-US" sz="4400" b="1" dirty="0">
+                <a:solidFill>
+                  <a:schemeClr val="accent4">
+                    <a:lumMod val="75000"/>
+                  </a:schemeClr>
+                </a:solidFill>
+                <a:latin typeface="72 Black" panose="020B0A04030603020204" pitchFamily="34" charset="0"/>
+                <a:cs typeface="72 Black" panose="020B0A04030603020204" pitchFamily="34" charset="0"/>
+              </a:rPr>
+              <a:t>3. Cells and Cells Values</a:t>
+            </a:r>
+          </a:p>
+          <a:p>
+            <a:r>
+              <a:rPr lang="en-US" sz="4400" b="1" dirty="0">
+                <a:solidFill>
+                  <a:schemeClr val="accent4">
+                    <a:lumMod val="75000"/>
+                  </a:schemeClr>
+                </a:solidFill>
+                <a:latin typeface="72 Black" panose="020B0A04030603020204" pitchFamily="34" charset="0"/>
+                <a:cs typeface="72 Black" panose="020B0A04030603020204" pitchFamily="34" charset="0"/>
+              </a:rPr>
+              <a:t>3.7 Working with Cell Ranges</a:t>
+            </a:r>
+          </a:p>
+        </p:txBody>
+      </p:sp>
+    </p:spTree>
+    <p:extLst>
+      <p:ext uri="{BB962C8B-B14F-4D97-AF65-F5344CB8AC3E}">
+        <p14:creationId xmlns:p14="http://schemas.microsoft.com/office/powerpoint/2010/main" val="2619217955"/>
+      </p:ext>
+    </p:extLst>
+  </p:cSld>
+  <p:clrMapOvr>
+    <a:masterClrMapping/>
+  </p:clrMapOvr>
+</p:sld>
+</file>
+
+<file path=ppt/slides/slide17.xml><?xml version="1.0" encoding="utf-8"?>
 <p:sld xmlns:a="http://schemas.openxmlformats.org/drawingml/2006/main" xmlns:r="http://schemas.openxmlformats.org/officeDocument/2006/relationships" xmlns:p="http://schemas.openxmlformats.org/presentationml/2006/main">
   <p:cSld>
     <p:spTree>

--- a/Mastering_Python’s_openpyxl.pptx
+++ b/Mastering_Python’s_openpyxl.pptx
@@ -8277,7 +8277,7 @@
         </p:nvSpPr>
         <p:spPr>
           <a:xfrm>
-            <a:off x="3032760" y="5076647"/>
+            <a:off x="3032760" y="4254525"/>
             <a:ext cx="8750300" cy="1781353"/>
           </a:xfrm>
           <a:ln>

--- a/Mastering_Python’s_openpyxl.pptx
+++ b/Mastering_Python’s_openpyxl.pptx
@@ -5,7 +5,7 @@
     <p:sldMasterId id="2147483671" r:id="rId4"/>
   </p:sldMasterIdLst>
   <p:notesMasterIdLst>
-    <p:notesMasterId r:id="rId22"/>
+    <p:notesMasterId r:id="rId24"/>
   </p:notesMasterIdLst>
   <p:sldIdLst>
     <p:sldId id="320" r:id="rId5"/>
@@ -24,7 +24,9 @@
     <p:sldId id="334" r:id="rId18"/>
     <p:sldId id="335" r:id="rId19"/>
     <p:sldId id="336" r:id="rId20"/>
-    <p:sldId id="321" r:id="rId21"/>
+    <p:sldId id="337" r:id="rId21"/>
+    <p:sldId id="338" r:id="rId22"/>
+    <p:sldId id="321" r:id="rId23"/>
   </p:sldIdLst>
   <p:sldSz cx="12192000" cy="6858000"/>
   <p:notesSz cx="6858000" cy="9144000"/>
@@ -156,6 +158,12 @@
             <p14:sldId id="334"/>
             <p14:sldId id="335"/>
             <p14:sldId id="336"/>
+          </p14:sldIdLst>
+        </p14:section>
+        <p14:section name="ch4_styles-and-formatting" id="{BE861C98-10EF-4445-8BBB-1BEEED348BD6}">
+          <p14:sldIdLst>
+            <p14:sldId id="337"/>
+            <p14:sldId id="338"/>
           </p14:sldIdLst>
         </p14:section>
         <p14:section name="covers" id="{4F2CDF44-8EA2-4CD8-A232-2646FBA1D618}">
@@ -9277,6 +9285,626 @@
 </file>
 
 <file path=ppt/slides/slide17.xml><?xml version="1.0" encoding="utf-8"?>
+<p:sld xmlns:a="http://schemas.openxmlformats.org/drawingml/2006/main" xmlns:r="http://schemas.openxmlformats.org/officeDocument/2006/relationships" xmlns:p="http://schemas.openxmlformats.org/presentationml/2006/main">
+  <p:cSld>
+    <p:spTree>
+      <p:nvGrpSpPr>
+        <p:cNvPr id="1" name="">
+          <a:extLst>
+            <a:ext uri="{FF2B5EF4-FFF2-40B4-BE49-F238E27FC236}">
+              <a16:creationId xmlns:a16="http://schemas.microsoft.com/office/drawing/2014/main" id="{98EC19DB-FDDE-030C-8204-C83732B2C4CB}"/>
+            </a:ext>
+          </a:extLst>
+        </p:cNvPr>
+        <p:cNvGrpSpPr/>
+        <p:nvPr/>
+      </p:nvGrpSpPr>
+      <p:grpSpPr>
+        <a:xfrm>
+          <a:off x="0" y="0"/>
+          <a:ext cx="0" cy="0"/>
+          <a:chOff x="0" y="0"/>
+          <a:chExt cx="0" cy="0"/>
+        </a:xfrm>
+      </p:grpSpPr>
+      <p:pic>
+        <p:nvPicPr>
+          <p:cNvPr id="4" name="Picture 3">
+            <a:extLst>
+              <a:ext uri="{FF2B5EF4-FFF2-40B4-BE49-F238E27FC236}">
+                <a16:creationId xmlns:a16="http://schemas.microsoft.com/office/drawing/2014/main" id="{5EF27C84-62A2-A47B-B5FD-16D7CF14296F}"/>
+              </a:ext>
+            </a:extLst>
+          </p:cNvPr>
+          <p:cNvPicPr>
+            <a:picLocks noChangeAspect="1"/>
+          </p:cNvPicPr>
+          <p:nvPr/>
+        </p:nvPicPr>
+        <p:blipFill>
+          <a:blip r:embed="rId2"/>
+          <a:stretch>
+            <a:fillRect/>
+          </a:stretch>
+        </p:blipFill>
+        <p:spPr>
+          <a:xfrm>
+            <a:off x="648254" y="431284"/>
+            <a:ext cx="8481352" cy="6163535"/>
+          </a:xfrm>
+          <a:prstGeom prst="roundRect">
+            <a:avLst>
+              <a:gd name="adj" fmla="val 16667"/>
+            </a:avLst>
+          </a:prstGeom>
+          <a:ln>
+            <a:noFill/>
+          </a:ln>
+          <a:effectLst>
+            <a:outerShdw blurRad="152400" dist="12000" dir="900000" sy="98000" kx="110000" ky="200000" algn="tl" rotWithShape="0">
+              <a:srgbClr val="000000">
+                <a:alpha val="30000"/>
+              </a:srgbClr>
+            </a:outerShdw>
+          </a:effectLst>
+          <a:scene3d>
+            <a:camera prst="perspectiveRelaxed">
+              <a:rot lat="19800000" lon="1200000" rev="20820000"/>
+            </a:camera>
+            <a:lightRig rig="threePt" dir="t"/>
+          </a:scene3d>
+          <a:sp3d contourW="6350" prstMaterial="matte">
+            <a:bevelT w="101600" h="101600"/>
+            <a:contourClr>
+              <a:srgbClr val="969696"/>
+            </a:contourClr>
+          </a:sp3d>
+        </p:spPr>
+      </p:pic>
+      <p:sp>
+        <p:nvSpPr>
+          <p:cNvPr id="5" name="Title 4">
+            <a:extLst>
+              <a:ext uri="{FF2B5EF4-FFF2-40B4-BE49-F238E27FC236}">
+                <a16:creationId xmlns:a16="http://schemas.microsoft.com/office/drawing/2014/main" id="{FE12B37A-AD5B-F8A3-C171-4A212E62B196}"/>
+              </a:ext>
+            </a:extLst>
+          </p:cNvPr>
+          <p:cNvSpPr>
+            <a:spLocks noGrp="1"/>
+          </p:cNvSpPr>
+          <p:nvPr>
+            <p:ph type="title"/>
+          </p:nvPr>
+        </p:nvSpPr>
+        <p:spPr>
+          <a:xfrm>
+            <a:off x="2174240" y="72887"/>
+            <a:ext cx="9255756" cy="1077003"/>
+          </a:xfrm>
+        </p:spPr>
+        <p:txBody>
+          <a:bodyPr/>
+          <a:lstStyle/>
+          <a:p>
+            <a:pPr algn="ctr"/>
+            <a:r>
+              <a:rPr lang="en-US" dirty="0">
+                <a:solidFill>
+                  <a:schemeClr val="accent4">
+                    <a:lumMod val="75000"/>
+                  </a:schemeClr>
+                </a:solidFill>
+                <a:latin typeface="Aharoni" panose="02010803020104030203" pitchFamily="2" charset="-79"/>
+                <a:cs typeface="Aharoni" panose="02010803020104030203" pitchFamily="2" charset="-79"/>
+              </a:rPr>
+              <a:t>Mastering openpyxl</a:t>
+            </a:r>
+          </a:p>
+        </p:txBody>
+      </p:sp>
+      <p:sp>
+        <p:nvSpPr>
+          <p:cNvPr id="8" name="TextBox 7">
+            <a:extLst>
+              <a:ext uri="{FF2B5EF4-FFF2-40B4-BE49-F238E27FC236}">
+                <a16:creationId xmlns:a16="http://schemas.microsoft.com/office/drawing/2014/main" id="{22C9499D-0551-6928-7D17-4B8BE85D3EFB}"/>
+              </a:ext>
+            </a:extLst>
+          </p:cNvPr>
+          <p:cNvSpPr txBox="1"/>
+          <p:nvPr/>
+        </p:nvSpPr>
+        <p:spPr>
+          <a:xfrm>
+            <a:off x="0" y="4859"/>
+            <a:ext cx="2336800" cy="1446550"/>
+          </a:xfrm>
+          <a:prstGeom prst="rect">
+            <a:avLst/>
+          </a:prstGeom>
+          <a:effectLst>
+            <a:outerShdw blurRad="76200" dist="12700" dir="2700000" sy="-23000" kx="-800400" algn="bl" rotWithShape="0">
+              <a:prstClr val="black">
+                <a:alpha val="20000"/>
+              </a:prstClr>
+            </a:outerShdw>
+          </a:effectLst>
+        </p:spPr>
+        <p:style>
+          <a:lnRef idx="1">
+            <a:schemeClr val="accent6"/>
+          </a:lnRef>
+          <a:fillRef idx="2">
+            <a:schemeClr val="accent6"/>
+          </a:fillRef>
+          <a:effectRef idx="1">
+            <a:schemeClr val="accent6"/>
+          </a:effectRef>
+          <a:fontRef idx="minor">
+            <a:schemeClr val="dk1"/>
+          </a:fontRef>
+        </p:style>
+        <p:txBody>
+          <a:bodyPr wrap="square" rtlCol="0" anchor="ctr">
+            <a:spAutoFit/>
+          </a:bodyPr>
+          <a:lstStyle/>
+          <a:p>
+            <a:pPr algn="ctr"/>
+            <a:r>
+              <a:rPr lang="en-US" sz="8800" dirty="0">
+                <a:solidFill>
+                  <a:schemeClr val="accent5"/>
+                </a:solidFill>
+                <a:latin typeface="Trade Gothic Next Heavy" panose="020F0502020204030204" pitchFamily="34" charset="0"/>
+              </a:rPr>
+              <a:t>017</a:t>
+            </a:r>
+          </a:p>
+        </p:txBody>
+      </p:sp>
+      <p:pic>
+        <p:nvPicPr>
+          <p:cNvPr id="9" name="Picture 8">
+            <a:extLst>
+              <a:ext uri="{FF2B5EF4-FFF2-40B4-BE49-F238E27FC236}">
+                <a16:creationId xmlns:a16="http://schemas.microsoft.com/office/drawing/2014/main" id="{9E197046-E2BC-FE6E-E561-EC91D36A996D}"/>
+              </a:ext>
+            </a:extLst>
+          </p:cNvPr>
+          <p:cNvPicPr>
+            <a:picLocks noChangeAspect="1"/>
+          </p:cNvPicPr>
+          <p:nvPr/>
+        </p:nvPicPr>
+        <p:blipFill>
+          <a:blip r:embed="rId3"/>
+          <a:stretch>
+            <a:fillRect/>
+          </a:stretch>
+        </p:blipFill>
+        <p:spPr>
+          <a:xfrm>
+            <a:off x="172720" y="5574693"/>
+            <a:ext cx="2661920" cy="1088498"/>
+          </a:xfrm>
+          <a:prstGeom prst="roundRect">
+            <a:avLst>
+              <a:gd name="adj" fmla="val 8594"/>
+            </a:avLst>
+          </a:prstGeom>
+          <a:solidFill>
+            <a:srgbClr val="FFFFFF">
+              <a:shade val="85000"/>
+            </a:srgbClr>
+          </a:solidFill>
+          <a:ln>
+            <a:noFill/>
+          </a:ln>
+          <a:effectLst>
+            <a:reflection blurRad="12700" stA="38000" endPos="28000" dist="5000" dir="5400000" sy="-100000" algn="bl" rotWithShape="0"/>
+          </a:effectLst>
+        </p:spPr>
+      </p:pic>
+      <p:sp>
+        <p:nvSpPr>
+          <p:cNvPr id="7" name="Content Placeholder 6">
+            <a:extLst>
+              <a:ext uri="{FF2B5EF4-FFF2-40B4-BE49-F238E27FC236}">
+                <a16:creationId xmlns:a16="http://schemas.microsoft.com/office/drawing/2014/main" id="{4A4BE4BE-7789-C2E5-2E41-872A44F1A4F7}"/>
+              </a:ext>
+            </a:extLst>
+          </p:cNvPr>
+          <p:cNvSpPr>
+            <a:spLocks noGrp="1"/>
+          </p:cNvSpPr>
+          <p:nvPr>
+            <p:ph sz="quarter" idx="10"/>
+          </p:nvPr>
+        </p:nvSpPr>
+        <p:spPr>
+          <a:xfrm>
+            <a:off x="2969261" y="4936949"/>
+            <a:ext cx="8750300" cy="1781353"/>
+          </a:xfrm>
+          <a:ln>
+            <a:noFill/>
+          </a:ln>
+        </p:spPr>
+        <p:style>
+          <a:lnRef idx="1">
+            <a:schemeClr val="accent3"/>
+          </a:lnRef>
+          <a:fillRef idx="2">
+            <a:schemeClr val="accent3"/>
+          </a:fillRef>
+          <a:effectRef idx="1">
+            <a:schemeClr val="accent3"/>
+          </a:effectRef>
+          <a:fontRef idx="minor">
+            <a:schemeClr val="dk1"/>
+          </a:fontRef>
+        </p:style>
+        <p:txBody>
+          <a:bodyPr anchor="ctr">
+            <a:normAutofit/>
+          </a:bodyPr>
+          <a:lstStyle/>
+          <a:p>
+            <a:r>
+              <a:rPr lang="en-US" sz="4800" b="1" dirty="0">
+                <a:solidFill>
+                  <a:schemeClr val="accent4">
+                    <a:lumMod val="75000"/>
+                  </a:schemeClr>
+                </a:solidFill>
+                <a:latin typeface="72 Black" panose="020B0A04030603020204" pitchFamily="34" charset="0"/>
+                <a:cs typeface="72 Black" panose="020B0A04030603020204" pitchFamily="34" charset="0"/>
+              </a:rPr>
+              <a:t>4. Styles and Formatting</a:t>
+            </a:r>
+          </a:p>
+          <a:p>
+            <a:r>
+              <a:rPr lang="en-US" sz="4400" b="1" dirty="0">
+                <a:solidFill>
+                  <a:schemeClr val="accent4">
+                    <a:lumMod val="75000"/>
+                  </a:schemeClr>
+                </a:solidFill>
+                <a:latin typeface="72 Black" panose="020B0A04030603020204" pitchFamily="34" charset="0"/>
+                <a:cs typeface="72 Black" panose="020B0A04030603020204" pitchFamily="34" charset="0"/>
+              </a:rPr>
+              <a:t>4.1 Fonts</a:t>
+            </a:r>
+          </a:p>
+        </p:txBody>
+      </p:sp>
+    </p:spTree>
+    <p:extLst>
+      <p:ext uri="{BB962C8B-B14F-4D97-AF65-F5344CB8AC3E}">
+        <p14:creationId xmlns:p14="http://schemas.microsoft.com/office/powerpoint/2010/main" val="3809434317"/>
+      </p:ext>
+    </p:extLst>
+  </p:cSld>
+  <p:clrMapOvr>
+    <a:masterClrMapping/>
+  </p:clrMapOvr>
+</p:sld>
+</file>
+
+<file path=ppt/slides/slide18.xml><?xml version="1.0" encoding="utf-8"?>
+<p:sld xmlns:a="http://schemas.openxmlformats.org/drawingml/2006/main" xmlns:r="http://schemas.openxmlformats.org/officeDocument/2006/relationships" xmlns:p="http://schemas.openxmlformats.org/presentationml/2006/main">
+  <p:cSld>
+    <p:spTree>
+      <p:nvGrpSpPr>
+        <p:cNvPr id="1" name="">
+          <a:extLst>
+            <a:ext uri="{FF2B5EF4-FFF2-40B4-BE49-F238E27FC236}">
+              <a16:creationId xmlns:a16="http://schemas.microsoft.com/office/drawing/2014/main" id="{ADC58E63-5F90-688C-51D3-F17EDA7EFB20}"/>
+            </a:ext>
+          </a:extLst>
+        </p:cNvPr>
+        <p:cNvGrpSpPr/>
+        <p:nvPr/>
+      </p:nvGrpSpPr>
+      <p:grpSpPr>
+        <a:xfrm>
+          <a:off x="0" y="0"/>
+          <a:ext cx="0" cy="0"/>
+          <a:chOff x="0" y="0"/>
+          <a:chExt cx="0" cy="0"/>
+        </a:xfrm>
+      </p:grpSpPr>
+      <p:pic>
+        <p:nvPicPr>
+          <p:cNvPr id="3" name="Picture 2">
+            <a:extLst>
+              <a:ext uri="{FF2B5EF4-FFF2-40B4-BE49-F238E27FC236}">
+                <a16:creationId xmlns:a16="http://schemas.microsoft.com/office/drawing/2014/main" id="{512D045C-980D-87ED-A0E5-70E215F16BF6}"/>
+              </a:ext>
+            </a:extLst>
+          </p:cNvPr>
+          <p:cNvPicPr>
+            <a:picLocks noChangeAspect="1"/>
+          </p:cNvPicPr>
+          <p:nvPr/>
+        </p:nvPicPr>
+        <p:blipFill>
+          <a:blip r:embed="rId2"/>
+          <a:stretch>
+            <a:fillRect/>
+          </a:stretch>
+        </p:blipFill>
+        <p:spPr>
+          <a:xfrm>
+            <a:off x="839289" y="351995"/>
+            <a:ext cx="9178471" cy="6154009"/>
+          </a:xfrm>
+          <a:prstGeom prst="roundRect">
+            <a:avLst>
+              <a:gd name="adj" fmla="val 16667"/>
+            </a:avLst>
+          </a:prstGeom>
+          <a:ln>
+            <a:noFill/>
+          </a:ln>
+          <a:effectLst>
+            <a:outerShdw blurRad="152400" dist="12000" dir="900000" sy="98000" kx="110000" ky="200000" algn="tl" rotWithShape="0">
+              <a:srgbClr val="000000">
+                <a:alpha val="30000"/>
+              </a:srgbClr>
+            </a:outerShdw>
+          </a:effectLst>
+          <a:scene3d>
+            <a:camera prst="perspectiveRelaxed">
+              <a:rot lat="19800000" lon="1200000" rev="20820000"/>
+            </a:camera>
+            <a:lightRig rig="threePt" dir="t"/>
+          </a:scene3d>
+          <a:sp3d contourW="6350" prstMaterial="matte">
+            <a:bevelT w="101600" h="101600"/>
+            <a:contourClr>
+              <a:srgbClr val="969696"/>
+            </a:contourClr>
+          </a:sp3d>
+        </p:spPr>
+      </p:pic>
+      <p:sp>
+        <p:nvSpPr>
+          <p:cNvPr id="5" name="Title 4">
+            <a:extLst>
+              <a:ext uri="{FF2B5EF4-FFF2-40B4-BE49-F238E27FC236}">
+                <a16:creationId xmlns:a16="http://schemas.microsoft.com/office/drawing/2014/main" id="{C0864A9D-6ABB-3C76-AA27-392662BA1003}"/>
+              </a:ext>
+            </a:extLst>
+          </p:cNvPr>
+          <p:cNvSpPr>
+            <a:spLocks noGrp="1"/>
+          </p:cNvSpPr>
+          <p:nvPr>
+            <p:ph type="title"/>
+          </p:nvPr>
+        </p:nvSpPr>
+        <p:spPr>
+          <a:xfrm>
+            <a:off x="2174240" y="72887"/>
+            <a:ext cx="9255756" cy="1077003"/>
+          </a:xfrm>
+        </p:spPr>
+        <p:txBody>
+          <a:bodyPr/>
+          <a:lstStyle/>
+          <a:p>
+            <a:pPr algn="ctr"/>
+            <a:r>
+              <a:rPr lang="en-US" dirty="0">
+                <a:solidFill>
+                  <a:schemeClr val="accent4">
+                    <a:lumMod val="75000"/>
+                  </a:schemeClr>
+                </a:solidFill>
+                <a:latin typeface="Aharoni" panose="02010803020104030203" pitchFamily="2" charset="-79"/>
+                <a:cs typeface="Aharoni" panose="02010803020104030203" pitchFamily="2" charset="-79"/>
+              </a:rPr>
+              <a:t>Mastering openpyxl</a:t>
+            </a:r>
+          </a:p>
+        </p:txBody>
+      </p:sp>
+      <p:sp>
+        <p:nvSpPr>
+          <p:cNvPr id="8" name="TextBox 7">
+            <a:extLst>
+              <a:ext uri="{FF2B5EF4-FFF2-40B4-BE49-F238E27FC236}">
+                <a16:creationId xmlns:a16="http://schemas.microsoft.com/office/drawing/2014/main" id="{688F6AF8-5F47-689F-58AA-8EA8CE749C22}"/>
+              </a:ext>
+            </a:extLst>
+          </p:cNvPr>
+          <p:cNvSpPr txBox="1"/>
+          <p:nvPr/>
+        </p:nvSpPr>
+        <p:spPr>
+          <a:xfrm>
+            <a:off x="0" y="4859"/>
+            <a:ext cx="2336800" cy="1446550"/>
+          </a:xfrm>
+          <a:prstGeom prst="rect">
+            <a:avLst/>
+          </a:prstGeom>
+          <a:effectLst>
+            <a:outerShdw blurRad="76200" dist="12700" dir="2700000" sy="-23000" kx="-800400" algn="bl" rotWithShape="0">
+              <a:prstClr val="black">
+                <a:alpha val="20000"/>
+              </a:prstClr>
+            </a:outerShdw>
+          </a:effectLst>
+        </p:spPr>
+        <p:style>
+          <a:lnRef idx="1">
+            <a:schemeClr val="accent6"/>
+          </a:lnRef>
+          <a:fillRef idx="2">
+            <a:schemeClr val="accent6"/>
+          </a:fillRef>
+          <a:effectRef idx="1">
+            <a:schemeClr val="accent6"/>
+          </a:effectRef>
+          <a:fontRef idx="minor">
+            <a:schemeClr val="dk1"/>
+          </a:fontRef>
+        </p:style>
+        <p:txBody>
+          <a:bodyPr wrap="square" rtlCol="0" anchor="ctr">
+            <a:spAutoFit/>
+          </a:bodyPr>
+          <a:lstStyle/>
+          <a:p>
+            <a:pPr algn="ctr"/>
+            <a:r>
+              <a:rPr lang="en-US" sz="8800" dirty="0">
+                <a:solidFill>
+                  <a:schemeClr val="accent5"/>
+                </a:solidFill>
+                <a:latin typeface="Trade Gothic Next Heavy" panose="020F0502020204030204" pitchFamily="34" charset="0"/>
+              </a:rPr>
+              <a:t>018</a:t>
+            </a:r>
+          </a:p>
+        </p:txBody>
+      </p:sp>
+      <p:pic>
+        <p:nvPicPr>
+          <p:cNvPr id="9" name="Picture 8">
+            <a:extLst>
+              <a:ext uri="{FF2B5EF4-FFF2-40B4-BE49-F238E27FC236}">
+                <a16:creationId xmlns:a16="http://schemas.microsoft.com/office/drawing/2014/main" id="{E08E868A-02FF-812E-417E-5BDBA626DCDB}"/>
+              </a:ext>
+            </a:extLst>
+          </p:cNvPr>
+          <p:cNvPicPr>
+            <a:picLocks noChangeAspect="1"/>
+          </p:cNvPicPr>
+          <p:nvPr/>
+        </p:nvPicPr>
+        <p:blipFill>
+          <a:blip r:embed="rId3"/>
+          <a:stretch>
+            <a:fillRect/>
+          </a:stretch>
+        </p:blipFill>
+        <p:spPr>
+          <a:xfrm>
+            <a:off x="172720" y="5574693"/>
+            <a:ext cx="2661920" cy="1088498"/>
+          </a:xfrm>
+          <a:prstGeom prst="roundRect">
+            <a:avLst>
+              <a:gd name="adj" fmla="val 8594"/>
+            </a:avLst>
+          </a:prstGeom>
+          <a:solidFill>
+            <a:srgbClr val="FFFFFF">
+              <a:shade val="85000"/>
+            </a:srgbClr>
+          </a:solidFill>
+          <a:ln>
+            <a:noFill/>
+          </a:ln>
+          <a:effectLst>
+            <a:reflection blurRad="12700" stA="38000" endPos="28000" dist="5000" dir="5400000" sy="-100000" algn="bl" rotWithShape="0"/>
+          </a:effectLst>
+        </p:spPr>
+      </p:pic>
+      <p:sp>
+        <p:nvSpPr>
+          <p:cNvPr id="7" name="Content Placeholder 6">
+            <a:extLst>
+              <a:ext uri="{FF2B5EF4-FFF2-40B4-BE49-F238E27FC236}">
+                <a16:creationId xmlns:a16="http://schemas.microsoft.com/office/drawing/2014/main" id="{53191BA4-DADB-D3B3-1135-08842B426FC7}"/>
+              </a:ext>
+            </a:extLst>
+          </p:cNvPr>
+          <p:cNvSpPr>
+            <a:spLocks noGrp="1"/>
+          </p:cNvSpPr>
+          <p:nvPr>
+            <p:ph sz="quarter" idx="10"/>
+          </p:nvPr>
+        </p:nvSpPr>
+        <p:spPr>
+          <a:xfrm>
+            <a:off x="2969261" y="4936949"/>
+            <a:ext cx="8750300" cy="1781353"/>
+          </a:xfrm>
+          <a:ln>
+            <a:noFill/>
+          </a:ln>
+        </p:spPr>
+        <p:style>
+          <a:lnRef idx="1">
+            <a:schemeClr val="accent3"/>
+          </a:lnRef>
+          <a:fillRef idx="2">
+            <a:schemeClr val="accent3"/>
+          </a:fillRef>
+          <a:effectRef idx="1">
+            <a:schemeClr val="accent3"/>
+          </a:effectRef>
+          <a:fontRef idx="minor">
+            <a:schemeClr val="dk1"/>
+          </a:fontRef>
+        </p:style>
+        <p:txBody>
+          <a:bodyPr anchor="ctr">
+            <a:normAutofit/>
+          </a:bodyPr>
+          <a:lstStyle/>
+          <a:p>
+            <a:r>
+              <a:rPr lang="en-US" sz="4800" b="1" dirty="0">
+                <a:solidFill>
+                  <a:schemeClr val="accent4">
+                    <a:lumMod val="75000"/>
+                  </a:schemeClr>
+                </a:solidFill>
+                <a:latin typeface="72 Black" panose="020B0A04030603020204" pitchFamily="34" charset="0"/>
+                <a:cs typeface="72 Black" panose="020B0A04030603020204" pitchFamily="34" charset="0"/>
+              </a:rPr>
+              <a:t>4. Styles and Formatting</a:t>
+            </a:r>
+          </a:p>
+          <a:p>
+            <a:r>
+              <a:rPr lang="en-US" sz="4400" b="1" dirty="0">
+                <a:solidFill>
+                  <a:schemeClr val="accent4">
+                    <a:lumMod val="75000"/>
+                  </a:schemeClr>
+                </a:solidFill>
+                <a:latin typeface="72 Black" panose="020B0A04030603020204" pitchFamily="34" charset="0"/>
+                <a:cs typeface="72 Black" panose="020B0A04030603020204" pitchFamily="34" charset="0"/>
+              </a:rPr>
+              <a:t>4.2 Fill Colors</a:t>
+            </a:r>
+          </a:p>
+        </p:txBody>
+      </p:sp>
+    </p:spTree>
+    <p:extLst>
+      <p:ext uri="{BB962C8B-B14F-4D97-AF65-F5344CB8AC3E}">
+        <p14:creationId xmlns:p14="http://schemas.microsoft.com/office/powerpoint/2010/main" val="1468958254"/>
+      </p:ext>
+    </p:extLst>
+  </p:cSld>
+  <p:clrMapOvr>
+    <a:masterClrMapping/>
+  </p:clrMapOvr>
+</p:sld>
+</file>
+
+<file path=ppt/slides/slide19.xml><?xml version="1.0" encoding="utf-8"?>
 <p:sld xmlns:a="http://schemas.openxmlformats.org/drawingml/2006/main" xmlns:r="http://schemas.openxmlformats.org/officeDocument/2006/relationships" xmlns:p="http://schemas.openxmlformats.org/presentationml/2006/main">
   <p:cSld>
     <p:spTree>
